--- a/Step1-Python-Fundamentals/02-Why python/Why Python.pptx
+++ b/Step1-Python-Fundamentals/02-Why python/Why Python.pptx
@@ -5,18 +5,16 @@
     <p:sldMasterId id="2147483648" r:id="rId1"/>
   </p:sldMasterIdLst>
   <p:sldIdLst>
-    <p:sldId id="256" r:id="rId2"/>
-    <p:sldId id="258" r:id="rId3"/>
-    <p:sldId id="263" r:id="rId4"/>
-    <p:sldId id="259" r:id="rId5"/>
-    <p:sldId id="265" r:id="rId6"/>
-    <p:sldId id="266" r:id="rId7"/>
-    <p:sldId id="268" r:id="rId8"/>
-    <p:sldId id="270" r:id="rId9"/>
-    <p:sldId id="262" r:id="rId10"/>
-    <p:sldId id="269" r:id="rId11"/>
-    <p:sldId id="267" r:id="rId12"/>
-    <p:sldId id="261" r:id="rId13"/>
+    <p:sldId id="258" r:id="rId2"/>
+    <p:sldId id="263" r:id="rId3"/>
+    <p:sldId id="259" r:id="rId4"/>
+    <p:sldId id="265" r:id="rId5"/>
+    <p:sldId id="266" r:id="rId6"/>
+    <p:sldId id="268" r:id="rId7"/>
+    <p:sldId id="270" r:id="rId8"/>
+    <p:sldId id="262" r:id="rId9"/>
+    <p:sldId id="269" r:id="rId10"/>
+    <p:sldId id="267" r:id="rId11"/>
   </p:sldIdLst>
   <p:sldSz cx="12192000" cy="6858000"/>
   <p:notesSz cx="6858000" cy="9144000"/>
@@ -161,13 +159,6 @@
   <p:clrMapOvr>
     <a:masterClrMapping/>
   </p:clrMapOvr>
-  <p:timing>
-    <p:tnLst>
-      <p:par>
-        <p:cTn id="1" dur="indefinite" restart="never" nodeType="tmRoot"/>
-      </p:par>
-    </p:tnLst>
-  </p:timing>
 </p:sldLayout>
 </file>
 
@@ -198,13 +189,6 @@
   <p:clrMapOvr>
     <a:masterClrMapping/>
   </p:clrMapOvr>
-  <p:timing>
-    <p:tnLst>
-      <p:par>
-        <p:cTn id="1" dur="indefinite" restart="never" nodeType="tmRoot"/>
-      </p:par>
-    </p:tnLst>
-  </p:timing>
 </p:sldLayout>
 </file>
 
@@ -235,13 +219,6 @@
   <p:clrMapOvr>
     <a:masterClrMapping/>
   </p:clrMapOvr>
-  <p:timing>
-    <p:tnLst>
-      <p:par>
-        <p:cTn id="1" dur="indefinite" restart="never" nodeType="tmRoot"/>
-      </p:par>
-    </p:tnLst>
-  </p:timing>
 </p:sldLayout>
 </file>
 
@@ -285,18 +262,13 @@
           <a:lstStyle/>
           <a:p>
             <a:r>
-              <a:rPr lang="en-US" sz="1600" dirty="0" smtClean="0">
+              <a:rPr lang="en-US" sz="1600" dirty="0">
                 <a:solidFill>
                   <a:schemeClr val="bg1"/>
                 </a:solidFill>
               </a:rPr>
               <a:t>www.Daneshjooyar.com</a:t>
             </a:r>
-            <a:endParaRPr lang="en-US" sz="1600" dirty="0">
-              <a:solidFill>
-                <a:schemeClr val="bg1"/>
-              </a:solidFill>
-            </a:endParaRPr>
           </a:p>
         </p:txBody>
       </p:sp>
@@ -310,13 +282,6 @@
   <p:clrMapOvr>
     <a:masterClrMapping/>
   </p:clrMapOvr>
-  <p:timing>
-    <p:tnLst>
-      <p:par>
-        <p:cTn id="1" dur="indefinite" restart="never" nodeType="tmRoot"/>
-      </p:par>
-    </p:tnLst>
-  </p:timing>
 </p:sldLayout>
 </file>
 
@@ -360,18 +325,13 @@
           <a:lstStyle/>
           <a:p>
             <a:r>
-              <a:rPr lang="en-US" sz="1600" dirty="0" smtClean="0">
+              <a:rPr lang="en-US" sz="1600" dirty="0">
                 <a:solidFill>
                   <a:schemeClr val="bg1"/>
                 </a:solidFill>
               </a:rPr>
               <a:t>www.Daneshjooyar.com</a:t>
             </a:r>
-            <a:endParaRPr lang="en-US" sz="1600" dirty="0">
-              <a:solidFill>
-                <a:schemeClr val="bg1"/>
-              </a:solidFill>
-            </a:endParaRPr>
           </a:p>
         </p:txBody>
       </p:sp>
@@ -385,13 +345,6 @@
   <p:clrMapOvr>
     <a:masterClrMapping/>
   </p:clrMapOvr>
-  <p:timing>
-    <p:tnLst>
-      <p:par>
-        <p:cTn id="1" dur="indefinite" restart="never" nodeType="tmRoot"/>
-      </p:par>
-    </p:tnLst>
-  </p:timing>
 </p:sldLayout>
 </file>
 
@@ -422,13 +375,6 @@
   <p:clrMapOvr>
     <a:masterClrMapping/>
   </p:clrMapOvr>
-  <p:timing>
-    <p:tnLst>
-      <p:par>
-        <p:cTn id="1" dur="indefinite" restart="never" nodeType="tmRoot"/>
-      </p:par>
-    </p:tnLst>
-  </p:timing>
 </p:sldLayout>
 </file>
 
@@ -459,13 +405,6 @@
   <p:clrMapOvr>
     <a:masterClrMapping/>
   </p:clrMapOvr>
-  <p:timing>
-    <p:tnLst>
-      <p:par>
-        <p:cTn id="1" dur="indefinite" restart="never" nodeType="tmRoot"/>
-      </p:par>
-    </p:tnLst>
-  </p:timing>
 </p:sldLayout>
 </file>
 
@@ -517,10 +456,9 @@
           <a:lstStyle/>
           <a:p>
             <a:r>
-              <a:rPr lang="en-US" smtClean="0"/>
+              <a:rPr lang="en-US"/>
               <a:t>Click to edit Master title style</a:t>
             </a:r>
-            <a:endParaRPr lang="en-US"/>
           </a:p>
         </p:txBody>
       </p:sp>
@@ -551,38 +489,37 @@
           <a:p>
             <a:pPr lvl="0"/>
             <a:r>
-              <a:rPr lang="en-US" smtClean="0"/>
+              <a:rPr lang="en-US"/>
               <a:t>Edit Master text styles</a:t>
             </a:r>
           </a:p>
           <a:p>
             <a:pPr lvl="1"/>
             <a:r>
-              <a:rPr lang="en-US" smtClean="0"/>
+              <a:rPr lang="en-US"/>
               <a:t>Second level</a:t>
             </a:r>
           </a:p>
           <a:p>
             <a:pPr lvl="2"/>
             <a:r>
-              <a:rPr lang="en-US" smtClean="0"/>
+              <a:rPr lang="en-US"/>
               <a:t>Third level</a:t>
             </a:r>
           </a:p>
           <a:p>
             <a:pPr lvl="3"/>
             <a:r>
-              <a:rPr lang="en-US" smtClean="0"/>
+              <a:rPr lang="en-US"/>
               <a:t>Fourth level</a:t>
             </a:r>
           </a:p>
           <a:p>
             <a:pPr lvl="4"/>
             <a:r>
-              <a:rPr lang="en-US" smtClean="0"/>
+              <a:rPr lang="en-US"/>
               <a:t>Fifth level</a:t>
             </a:r>
-            <a:endParaRPr lang="en-US"/>
           </a:p>
         </p:txBody>
       </p:sp>
@@ -622,7 +559,7 @@
             <a:fld id="{8D28B585-852A-4789-85C1-7D4A68CA7E6C}" type="datetimeFigureOut">
               <a:rPr lang="en-US" smtClean="0"/>
               <a:pPr/>
-              <a:t>2/18/2020</a:t>
+              <a:t>12/16/2025</a:t>
             </a:fld>
             <a:endParaRPr lang="en-US"/>
           </a:p>
@@ -724,13 +661,6 @@
     <p:sldLayoutId id="2147483654" r:id="rId6"/>
     <p:sldLayoutId id="2147483655" r:id="rId7"/>
   </p:sldLayoutIdLst>
-  <p:timing>
-    <p:tnLst>
-      <p:par>
-        <p:cTn id="1" dur="indefinite" restart="never" nodeType="tmRoot"/>
-      </p:par>
-    </p:tnLst>
-  </p:timing>
   <p:txStyles>
     <p:titleStyle>
       <a:lvl1pPr algn="l" defTabSz="914400" rtl="0" eaLnBrk="1" latinLnBrk="0" hangingPunct="1">
@@ -1047,36 +977,37 @@
       </p:grpSpPr>
       <p:sp>
         <p:nvSpPr>
-          <p:cNvPr id="4" name="Title 1"/>
+          <p:cNvPr id="2" name="Title 1"/>
           <p:cNvSpPr>
             <a:spLocks noGrp="1"/>
           </p:cNvSpPr>
           <p:nvPr>
-            <p:ph type="ctrTitle" idx="4294967295"/>
+            <p:ph type="title" idx="4294967295"/>
           </p:nvPr>
         </p:nvSpPr>
         <p:spPr>
           <a:xfrm>
-            <a:off x="6867182" y="874841"/>
-            <a:ext cx="5344675" cy="1068935"/>
+            <a:off x="6798366" y="538828"/>
+            <a:ext cx="5005846" cy="955675"/>
           </a:xfrm>
         </p:spPr>
         <p:txBody>
           <a:bodyPr>
-            <a:normAutofit/>
+            <a:normAutofit fontScale="90000"/>
           </a:bodyPr>
           <a:lstStyle/>
           <a:p>
+            <a:pPr algn="r"/>
             <a:r>
-              <a:rPr lang="fa-IR" sz="4500" spc="-150" dirty="0" smtClean="0">
+              <a:rPr lang="fa-IR" sz="3200" dirty="0">
                 <a:solidFill>
                   <a:schemeClr val="bg1"/>
                 </a:solidFill>
                 <a:cs typeface="B Titr" panose="00000700000000000000" pitchFamily="2" charset="-78"/>
               </a:rPr>
-              <a:t>گروه آموزشی دانشجویار</a:t>
+              <a:t>دوره ی برنامه نویسی با زبان پایتون</a:t>
             </a:r>
-            <a:endParaRPr lang="en-US" sz="4500" spc="-150" dirty="0">
+            <a:endParaRPr lang="en-US" sz="2000" dirty="0">
               <a:solidFill>
                 <a:schemeClr val="bg1"/>
               </a:solidFill>
@@ -1087,50 +1018,334 @@
       </p:sp>
       <p:sp>
         <p:nvSpPr>
-          <p:cNvPr id="5" name="Subtitle 2"/>
-          <p:cNvSpPr>
-            <a:spLocks noGrp="1"/>
+          <p:cNvPr id="4" name="Title 1"/>
+          <p:cNvSpPr txBox="1">
+            <a:spLocks/>
           </p:cNvSpPr>
-          <p:nvPr>
-            <p:ph type="subTitle" idx="4294967295"/>
-          </p:nvPr>
+          <p:nvPr/>
         </p:nvSpPr>
         <p:spPr>
           <a:xfrm>
-            <a:off x="5826734" y="2059888"/>
-            <a:ext cx="5041560" cy="763525"/>
-          </a:xfrm>
+            <a:off x="5269155" y="1772799"/>
+            <a:ext cx="6535057" cy="718013"/>
+          </a:xfrm>
+          <a:prstGeom prst="rect">
+            <a:avLst/>
+          </a:prstGeom>
         </p:spPr>
         <p:txBody>
-          <a:bodyPr>
-            <a:normAutofit fontScale="92500" lnSpcReduction="10000"/>
+          <a:bodyPr vert="horz" lIns="91440" tIns="45720" rIns="91440" bIns="45720" rtlCol="0" anchor="ctr">
+            <a:normAutofit/>
+          </a:bodyPr>
+          <a:lstStyle>
+            <a:lvl1pPr algn="l" defTabSz="914400" rtl="0" eaLnBrk="1" latinLnBrk="0" hangingPunct="1">
+              <a:lnSpc>
+                <a:spcPct val="90000"/>
+              </a:lnSpc>
+              <a:spcBef>
+                <a:spcPct val="0"/>
+              </a:spcBef>
+              <a:buNone/>
+              <a:defRPr sz="4400" kern="1200">
+                <a:solidFill>
+                  <a:schemeClr val="tx1"/>
+                </a:solidFill>
+                <a:latin typeface="+mj-lt"/>
+                <a:ea typeface="+mj-ea"/>
+                <a:cs typeface="+mj-cs"/>
+              </a:defRPr>
+            </a:lvl1pPr>
+          </a:lstStyle>
+          <a:p>
+            <a:pPr algn="r"/>
+            <a:r>
+              <a:rPr lang="fa-IR" sz="2400" dirty="0">
+                <a:solidFill>
+                  <a:schemeClr val="bg1"/>
+                </a:solidFill>
+                <a:cs typeface="B Nazanin" panose="00000400000000000000" pitchFamily="2" charset="-78"/>
+              </a:rPr>
+              <a:t>نام مدرس :</a:t>
+            </a:r>
+            <a:r>
+              <a:rPr lang="fa-IR" sz="2800" dirty="0">
+                <a:solidFill>
+                  <a:schemeClr val="bg1"/>
+                </a:solidFill>
+                <a:cs typeface="B Nazanin" panose="00000400000000000000" pitchFamily="2" charset="-78"/>
+              </a:rPr>
+              <a:t> </a:t>
+            </a:r>
+            <a:r>
+              <a:rPr lang="fa-IR" sz="2400" dirty="0">
+                <a:solidFill>
+                  <a:schemeClr val="bg1"/>
+                </a:solidFill>
+                <a:cs typeface="B Nazanin" panose="00000400000000000000" pitchFamily="2" charset="-78"/>
+              </a:rPr>
+              <a:t>محمد تقی زاده</a:t>
+            </a:r>
+            <a:endParaRPr lang="en-US" sz="2400" dirty="0">
+              <a:solidFill>
+                <a:schemeClr val="bg1"/>
+              </a:solidFill>
+              <a:cs typeface="B Nazanin" panose="00000400000000000000" pitchFamily="2" charset="-78"/>
+            </a:endParaRPr>
+          </a:p>
+        </p:txBody>
+      </p:sp>
+      <p:sp>
+        <p:nvSpPr>
+          <p:cNvPr id="6" name="TextBox 5"/>
+          <p:cNvSpPr txBox="1"/>
+          <p:nvPr/>
+        </p:nvSpPr>
+        <p:spPr>
+          <a:xfrm>
+            <a:off x="10248332" y="6560390"/>
+            <a:ext cx="2497540" cy="307777"/>
+          </a:xfrm>
+          <a:prstGeom prst="rect">
+            <a:avLst/>
+          </a:prstGeom>
+          <a:noFill/>
+        </p:spPr>
+        <p:txBody>
+          <a:bodyPr wrap="square" rtlCol="0">
+            <a:spAutoFit/>
           </a:bodyPr>
           <a:lstStyle/>
           <a:p>
-            <a:pPr algn="r" rtl="1">
-              <a:buNone/>
-            </a:pPr>
             <a:r>
-              <a:rPr lang="fa-IR" sz="2900" spc="-150" dirty="0" smtClean="0">
-                <a:solidFill>
-                  <a:srgbClr val="FFFF00"/>
-                </a:solidFill>
-                <a:cs typeface="B Yekan" panose="00000400000000000000" pitchFamily="2" charset="-78"/>
+              <a:rPr lang="en-US" sz="1400" dirty="0">
+                <a:solidFill>
+                  <a:schemeClr val="bg2">
+                    <a:lumMod val="50000"/>
+                  </a:schemeClr>
+                </a:solidFill>
               </a:rPr>
-              <a:t>یادگیری آسان ، کاربردی و مطمئن</a:t>
+              <a:t>www.Daneshjooyar.com</a:t>
             </a:r>
-            <a:endParaRPr lang="en-US" sz="2900" spc="-150" dirty="0">
+          </a:p>
+        </p:txBody>
+      </p:sp>
+      <p:sp>
+        <p:nvSpPr>
+          <p:cNvPr id="9" name="Subtitle 2"/>
+          <p:cNvSpPr txBox="1">
+            <a:spLocks/>
+          </p:cNvSpPr>
+          <p:nvPr/>
+        </p:nvSpPr>
+        <p:spPr>
+          <a:xfrm>
+            <a:off x="5871441" y="3994150"/>
+            <a:ext cx="10058400" cy="408480"/>
+          </a:xfrm>
+          <a:prstGeom prst="rect">
+            <a:avLst/>
+          </a:prstGeom>
+        </p:spPr>
+        <p:txBody>
+          <a:bodyPr>
+            <a:noAutofit/>
+          </a:bodyPr>
+          <a:lstStyle>
+            <a:lvl1pPr marL="228600" indent="-228600" algn="l" defTabSz="914400" rtl="0" eaLnBrk="1" latinLnBrk="0" hangingPunct="1">
+              <a:lnSpc>
+                <a:spcPct val="90000"/>
+              </a:lnSpc>
+              <a:spcBef>
+                <a:spcPts val="1000"/>
+              </a:spcBef>
+              <a:buFont typeface="Arial" panose="020B0604020202020204" pitchFamily="34" charset="0"/>
+              <a:buChar char="•"/>
+              <a:defRPr sz="2800" kern="1200">
+                <a:solidFill>
+                  <a:schemeClr val="tx1"/>
+                </a:solidFill>
+                <a:latin typeface="+mn-lt"/>
+                <a:ea typeface="+mn-ea"/>
+                <a:cs typeface="+mn-cs"/>
+              </a:defRPr>
+            </a:lvl1pPr>
+            <a:lvl2pPr marL="685800" indent="-228600" algn="l" defTabSz="914400" rtl="0" eaLnBrk="1" latinLnBrk="0" hangingPunct="1">
+              <a:lnSpc>
+                <a:spcPct val="90000"/>
+              </a:lnSpc>
+              <a:spcBef>
+                <a:spcPts val="500"/>
+              </a:spcBef>
+              <a:buFont typeface="Arial" panose="020B0604020202020204" pitchFamily="34" charset="0"/>
+              <a:buChar char="•"/>
+              <a:defRPr sz="2400" kern="1200">
+                <a:solidFill>
+                  <a:schemeClr val="tx1"/>
+                </a:solidFill>
+                <a:latin typeface="+mn-lt"/>
+                <a:ea typeface="+mn-ea"/>
+                <a:cs typeface="+mn-cs"/>
+              </a:defRPr>
+            </a:lvl2pPr>
+            <a:lvl3pPr marL="1143000" indent="-228600" algn="l" defTabSz="914400" rtl="0" eaLnBrk="1" latinLnBrk="0" hangingPunct="1">
+              <a:lnSpc>
+                <a:spcPct val="90000"/>
+              </a:lnSpc>
+              <a:spcBef>
+                <a:spcPts val="500"/>
+              </a:spcBef>
+              <a:buFont typeface="Arial" panose="020B0604020202020204" pitchFamily="34" charset="0"/>
+              <a:buChar char="•"/>
+              <a:defRPr sz="2000" kern="1200">
+                <a:solidFill>
+                  <a:schemeClr val="tx1"/>
+                </a:solidFill>
+                <a:latin typeface="+mn-lt"/>
+                <a:ea typeface="+mn-ea"/>
+                <a:cs typeface="+mn-cs"/>
+              </a:defRPr>
+            </a:lvl3pPr>
+            <a:lvl4pPr marL="1600200" indent="-228600" algn="l" defTabSz="914400" rtl="0" eaLnBrk="1" latinLnBrk="0" hangingPunct="1">
+              <a:lnSpc>
+                <a:spcPct val="90000"/>
+              </a:lnSpc>
+              <a:spcBef>
+                <a:spcPts val="500"/>
+              </a:spcBef>
+              <a:buFont typeface="Arial" panose="020B0604020202020204" pitchFamily="34" charset="0"/>
+              <a:buChar char="•"/>
+              <a:defRPr sz="1800" kern="1200">
+                <a:solidFill>
+                  <a:schemeClr val="tx1"/>
+                </a:solidFill>
+                <a:latin typeface="+mn-lt"/>
+                <a:ea typeface="+mn-ea"/>
+                <a:cs typeface="+mn-cs"/>
+              </a:defRPr>
+            </a:lvl4pPr>
+            <a:lvl5pPr marL="2057400" indent="-228600" algn="l" defTabSz="914400" rtl="0" eaLnBrk="1" latinLnBrk="0" hangingPunct="1">
+              <a:lnSpc>
+                <a:spcPct val="90000"/>
+              </a:lnSpc>
+              <a:spcBef>
+                <a:spcPts val="500"/>
+              </a:spcBef>
+              <a:buFont typeface="Arial" panose="020B0604020202020204" pitchFamily="34" charset="0"/>
+              <a:buChar char="•"/>
+              <a:defRPr sz="1800" kern="1200">
+                <a:solidFill>
+                  <a:schemeClr val="tx1"/>
+                </a:solidFill>
+                <a:latin typeface="+mn-lt"/>
+                <a:ea typeface="+mn-ea"/>
+                <a:cs typeface="+mn-cs"/>
+              </a:defRPr>
+            </a:lvl5pPr>
+            <a:lvl6pPr marL="2514600" indent="-228600" algn="l" defTabSz="914400" rtl="0" eaLnBrk="1" latinLnBrk="0" hangingPunct="1">
+              <a:lnSpc>
+                <a:spcPct val="90000"/>
+              </a:lnSpc>
+              <a:spcBef>
+                <a:spcPts val="500"/>
+              </a:spcBef>
+              <a:buFont typeface="Arial" panose="020B0604020202020204" pitchFamily="34" charset="0"/>
+              <a:buChar char="•"/>
+              <a:defRPr sz="1800" kern="1200">
+                <a:solidFill>
+                  <a:schemeClr val="tx1"/>
+                </a:solidFill>
+                <a:latin typeface="+mn-lt"/>
+                <a:ea typeface="+mn-ea"/>
+                <a:cs typeface="+mn-cs"/>
+              </a:defRPr>
+            </a:lvl6pPr>
+            <a:lvl7pPr marL="2971800" indent="-228600" algn="l" defTabSz="914400" rtl="0" eaLnBrk="1" latinLnBrk="0" hangingPunct="1">
+              <a:lnSpc>
+                <a:spcPct val="90000"/>
+              </a:lnSpc>
+              <a:spcBef>
+                <a:spcPts val="500"/>
+              </a:spcBef>
+              <a:buFont typeface="Arial" panose="020B0604020202020204" pitchFamily="34" charset="0"/>
+              <a:buChar char="•"/>
+              <a:defRPr sz="1800" kern="1200">
+                <a:solidFill>
+                  <a:schemeClr val="tx1"/>
+                </a:solidFill>
+                <a:latin typeface="+mn-lt"/>
+                <a:ea typeface="+mn-ea"/>
+                <a:cs typeface="+mn-cs"/>
+              </a:defRPr>
+            </a:lvl7pPr>
+            <a:lvl8pPr marL="3429000" indent="-228600" algn="l" defTabSz="914400" rtl="0" eaLnBrk="1" latinLnBrk="0" hangingPunct="1">
+              <a:lnSpc>
+                <a:spcPct val="90000"/>
+              </a:lnSpc>
+              <a:spcBef>
+                <a:spcPts val="500"/>
+              </a:spcBef>
+              <a:buFont typeface="Arial" panose="020B0604020202020204" pitchFamily="34" charset="0"/>
+              <a:buChar char="•"/>
+              <a:defRPr sz="1800" kern="1200">
+                <a:solidFill>
+                  <a:schemeClr val="tx1"/>
+                </a:solidFill>
+                <a:latin typeface="+mn-lt"/>
+                <a:ea typeface="+mn-ea"/>
+                <a:cs typeface="+mn-cs"/>
+              </a:defRPr>
+            </a:lvl8pPr>
+            <a:lvl9pPr marL="3886200" indent="-228600" algn="l" defTabSz="914400" rtl="0" eaLnBrk="1" latinLnBrk="0" hangingPunct="1">
+              <a:lnSpc>
+                <a:spcPct val="90000"/>
+              </a:lnSpc>
+              <a:spcBef>
+                <a:spcPts val="500"/>
+              </a:spcBef>
+              <a:buFont typeface="Arial" panose="020B0604020202020204" pitchFamily="34" charset="0"/>
+              <a:buChar char="•"/>
+              <a:defRPr sz="1800" kern="1200">
+                <a:solidFill>
+                  <a:schemeClr val="tx1"/>
+                </a:solidFill>
+                <a:latin typeface="+mn-lt"/>
+                <a:ea typeface="+mn-ea"/>
+                <a:cs typeface="+mn-cs"/>
+              </a:defRPr>
+            </a:lvl9pPr>
+          </a:lstStyle>
+          <a:p>
+            <a:r>
+              <a:rPr lang="en-US" sz="1600" dirty="0">
+                <a:solidFill>
+                  <a:schemeClr val="bg1"/>
+                </a:solidFill>
+              </a:rPr>
+              <a:t>http://M-Taghizadeh.ir</a:t>
+            </a:r>
+          </a:p>
+          <a:p>
+            <a:r>
+              <a:rPr lang="en-US" sz="1600" dirty="0">
+                <a:solidFill>
+                  <a:schemeClr val="bg1"/>
+                </a:solidFill>
+              </a:rPr>
+              <a:t>Taghizadeh.mhmd@gmail.com</a:t>
+            </a:r>
+          </a:p>
+          <a:p>
+            <a:endParaRPr lang="en-US" sz="600" dirty="0">
               <a:solidFill>
-                <a:srgbClr val="FFFF00"/>
+                <a:schemeClr val="bg1"/>
               </a:solidFill>
-              <a:cs typeface="B Yekan" panose="00000400000000000000" pitchFamily="2" charset="-78"/>
             </a:endParaRPr>
           </a:p>
         </p:txBody>
       </p:sp>
       <p:pic>
         <p:nvPicPr>
-          <p:cNvPr id="6" name="Picture 5"/>
+          <p:cNvPr id="3" name="Picture 2"/>
           <p:cNvPicPr>
             <a:picLocks noChangeAspect="1"/>
           </p:cNvPicPr>
@@ -1149,87 +1364,19 @@
           </a:stretch>
         </p:blipFill>
         <p:spPr>
-          <a:xfrm>
-            <a:off x="290286" y="2879173"/>
-            <a:ext cx="1335314" cy="1301447"/>
+          <a:xfrm flipH="1">
+            <a:off x="5655366" y="538828"/>
+            <a:ext cx="1143000" cy="1143000"/>
           </a:xfrm>
           <a:prstGeom prst="rect">
             <a:avLst/>
           </a:prstGeom>
         </p:spPr>
       </p:pic>
-      <p:sp>
-        <p:nvSpPr>
-          <p:cNvPr id="2" name="TextBox 1"/>
-          <p:cNvSpPr txBox="1"/>
-          <p:nvPr/>
-        </p:nvSpPr>
-        <p:spPr>
-          <a:xfrm>
-            <a:off x="3480179" y="4180620"/>
-            <a:ext cx="45719" cy="369332"/>
-          </a:xfrm>
-          <a:prstGeom prst="rect">
-            <a:avLst/>
-          </a:prstGeom>
-          <a:noFill/>
-        </p:spPr>
-        <p:txBody>
-          <a:bodyPr wrap="square" rtlCol="0">
-            <a:spAutoFit/>
-          </a:bodyPr>
-          <a:lstStyle/>
-          <a:p>
-            <a:endParaRPr lang="en-US" dirty="0"/>
-          </a:p>
-        </p:txBody>
-      </p:sp>
-      <p:sp>
-        <p:nvSpPr>
-          <p:cNvPr id="7" name="TextBox 6"/>
-          <p:cNvSpPr txBox="1"/>
-          <p:nvPr/>
-        </p:nvSpPr>
-        <p:spPr>
-          <a:xfrm>
-            <a:off x="10248332" y="6560390"/>
-            <a:ext cx="2497540" cy="307777"/>
-          </a:xfrm>
-          <a:prstGeom prst="rect">
-            <a:avLst/>
-          </a:prstGeom>
-          <a:noFill/>
-        </p:spPr>
-        <p:txBody>
-          <a:bodyPr wrap="square" rtlCol="0">
-            <a:spAutoFit/>
-          </a:bodyPr>
-          <a:lstStyle/>
-          <a:p>
-            <a:r>
-              <a:rPr lang="en-US" sz="1400" dirty="0" smtClean="0">
-                <a:solidFill>
-                  <a:schemeClr val="bg2">
-                    <a:lumMod val="50000"/>
-                  </a:schemeClr>
-                </a:solidFill>
-              </a:rPr>
-              <a:t>www.Daneshjooyar.com</a:t>
-            </a:r>
-            <a:endParaRPr lang="en-US" sz="1400" dirty="0">
-              <a:solidFill>
-                <a:schemeClr val="bg2">
-                  <a:lumMod val="50000"/>
-                </a:schemeClr>
-              </a:solidFill>
-            </a:endParaRPr>
-          </a:p>
-        </p:txBody>
-      </p:sp>
     </p:spTree>
     <p:extLst>
       <p:ext uri="{BB962C8B-B14F-4D97-AF65-F5344CB8AC3E}">
-        <p14:creationId xmlns:p14="http://schemas.microsoft.com/office/powerpoint/2010/main" val="1970513435"/>
+        <p14:creationId xmlns:p14="http://schemas.microsoft.com/office/powerpoint/2010/main" val="3848335971"/>
       </p:ext>
     </p:extLst>
   </p:cSld>
@@ -1239,837 +1386,10 @@
   <p:transition spd="slow">
     <p:wipe/>
   </p:transition>
-  <p:timing>
-    <p:tnLst>
-      <p:par>
-        <p:cTn id="1" dur="indefinite" restart="never" nodeType="tmRoot"/>
-      </p:par>
-    </p:tnLst>
-  </p:timing>
 </p:sld>
 </file>
 
 <file path=ppt/slides/slide10.xml><?xml version="1.0" encoding="utf-8"?>
-<p:sld xmlns:a="http://schemas.openxmlformats.org/drawingml/2006/main" xmlns:r="http://schemas.openxmlformats.org/officeDocument/2006/relationships" xmlns:p="http://schemas.openxmlformats.org/presentationml/2006/main">
-  <p:cSld>
-    <p:bg>
-      <p:bgPr>
-        <a:blipFill dpi="0" rotWithShape="1">
-          <a:blip r:embed="rId2" cstate="print">
-            <a:lum/>
-          </a:blip>
-          <a:srcRect/>
-          <a:stretch>
-            <a:fillRect t="-1000" b="-1000"/>
-          </a:stretch>
-        </a:blipFill>
-        <a:effectLst/>
-      </p:bgPr>
-    </p:bg>
-    <p:spTree>
-      <p:nvGrpSpPr>
-        <p:cNvPr id="1" name=""/>
-        <p:cNvGrpSpPr/>
-        <p:nvPr/>
-      </p:nvGrpSpPr>
-      <p:grpSpPr>
-        <a:xfrm>
-          <a:off x="0" y="0"/>
-          <a:ext cx="0" cy="0"/>
-          <a:chOff x="0" y="0"/>
-          <a:chExt cx="0" cy="0"/>
-        </a:xfrm>
-      </p:grpSpPr>
-      <p:sp>
-        <p:nvSpPr>
-          <p:cNvPr id="4" name="TextBox 3"/>
-          <p:cNvSpPr txBox="1"/>
-          <p:nvPr/>
-        </p:nvSpPr>
-        <p:spPr>
-          <a:xfrm>
-            <a:off x="10248332" y="6560390"/>
-            <a:ext cx="2497540" cy="307777"/>
-          </a:xfrm>
-          <a:prstGeom prst="rect">
-            <a:avLst/>
-          </a:prstGeom>
-          <a:noFill/>
-        </p:spPr>
-        <p:txBody>
-          <a:bodyPr wrap="square" rtlCol="0">
-            <a:spAutoFit/>
-          </a:bodyPr>
-          <a:lstStyle/>
-          <a:p>
-            <a:r>
-              <a:rPr lang="en-US" sz="1400" dirty="0" smtClean="0">
-                <a:solidFill>
-                  <a:schemeClr val="bg1"/>
-                </a:solidFill>
-              </a:rPr>
-              <a:t>www.Daneshjooyar.com</a:t>
-            </a:r>
-            <a:endParaRPr lang="en-US" sz="1400" dirty="0">
-              <a:solidFill>
-                <a:schemeClr val="bg1"/>
-              </a:solidFill>
-            </a:endParaRPr>
-          </a:p>
-        </p:txBody>
-      </p:sp>
-      <p:sp>
-        <p:nvSpPr>
-          <p:cNvPr id="6" name="TextBox 5"/>
-          <p:cNvSpPr txBox="1"/>
-          <p:nvPr/>
-        </p:nvSpPr>
-        <p:spPr>
-          <a:xfrm>
-            <a:off x="5396932" y="6550223"/>
-            <a:ext cx="2497540" cy="523220"/>
-          </a:xfrm>
-          <a:prstGeom prst="rect">
-            <a:avLst/>
-          </a:prstGeom>
-          <a:noFill/>
-        </p:spPr>
-        <p:txBody>
-          <a:bodyPr wrap="square" rtlCol="0">
-            <a:spAutoFit/>
-          </a:bodyPr>
-          <a:lstStyle/>
-          <a:p>
-            <a:r>
-              <a:rPr lang="en-US" sz="1400" dirty="0" smtClean="0">
-                <a:solidFill>
-                  <a:schemeClr val="bg1"/>
-                </a:solidFill>
-              </a:rPr>
-              <a:t>M-Taghizadeh.ir</a:t>
-            </a:r>
-          </a:p>
-          <a:p>
-            <a:endParaRPr lang="en-US" sz="1400" dirty="0">
-              <a:solidFill>
-                <a:schemeClr val="bg1"/>
-              </a:solidFill>
-            </a:endParaRPr>
-          </a:p>
-        </p:txBody>
-      </p:sp>
-      <p:sp>
-        <p:nvSpPr>
-          <p:cNvPr id="7" name="Title 1"/>
-          <p:cNvSpPr txBox="1">
-            <a:spLocks/>
-          </p:cNvSpPr>
-          <p:nvPr/>
-        </p:nvSpPr>
-        <p:spPr>
-          <a:xfrm>
-            <a:off x="-217714" y="219515"/>
-            <a:ext cx="2950496" cy="955675"/>
-          </a:xfrm>
-          <a:prstGeom prst="rect">
-            <a:avLst/>
-          </a:prstGeom>
-        </p:spPr>
-        <p:txBody>
-          <a:bodyPr vert="horz" lIns="91440" tIns="45720" rIns="91440" bIns="45720" rtlCol="0" anchor="ctr">
-            <a:normAutofit fontScale="97500"/>
-          </a:bodyPr>
-          <a:lstStyle>
-            <a:lvl1pPr algn="l" defTabSz="914400" rtl="0" eaLnBrk="1" latinLnBrk="0" hangingPunct="1">
-              <a:lnSpc>
-                <a:spcPct val="90000"/>
-              </a:lnSpc>
-              <a:spcBef>
-                <a:spcPct val="0"/>
-              </a:spcBef>
-              <a:buNone/>
-              <a:defRPr sz="4400" kern="1200">
-                <a:solidFill>
-                  <a:schemeClr val="tx1"/>
-                </a:solidFill>
-                <a:latin typeface="+mj-lt"/>
-                <a:ea typeface="+mj-ea"/>
-                <a:cs typeface="+mj-cs"/>
-              </a:defRPr>
-            </a:lvl1pPr>
-          </a:lstStyle>
-          <a:p>
-            <a:pPr algn="r"/>
-            <a:r>
-              <a:rPr lang="en-US" sz="3200" b="1" dirty="0" smtClean="0">
-                <a:solidFill>
-                  <a:schemeClr val="bg1"/>
-                </a:solidFill>
-                <a:cs typeface="B Titr" panose="00000700000000000000" pitchFamily="2" charset="-78"/>
-              </a:rPr>
-              <a:t>Python IDES</a:t>
-            </a:r>
-            <a:endParaRPr lang="en-US" sz="2000" b="1" dirty="0">
-              <a:solidFill>
-                <a:schemeClr val="bg1"/>
-              </a:solidFill>
-              <a:cs typeface="B Titr" panose="00000700000000000000" pitchFamily="2" charset="-78"/>
-            </a:endParaRPr>
-          </a:p>
-        </p:txBody>
-      </p:sp>
-      <p:pic>
-        <p:nvPicPr>
-          <p:cNvPr id="2" name="Picture 1"/>
-          <p:cNvPicPr>
-            <a:picLocks noChangeAspect="1"/>
-          </p:cNvPicPr>
-          <p:nvPr/>
-        </p:nvPicPr>
-        <p:blipFill>
-          <a:blip r:embed="rId3">
-            <a:extLst>
-              <a:ext uri="{28A0092B-C50C-407E-A947-70E740481C1C}">
-                <a14:useLocalDpi xmlns:a14="http://schemas.microsoft.com/office/drawing/2010/main" val="0"/>
-              </a:ext>
-            </a:extLst>
-          </a:blip>
-          <a:stretch>
-            <a:fillRect/>
-          </a:stretch>
-        </p:blipFill>
-        <p:spPr>
-          <a:xfrm>
-            <a:off x="2410520" y="2432050"/>
-            <a:ext cx="2141438" cy="2141438"/>
-          </a:xfrm>
-          <a:prstGeom prst="rect">
-            <a:avLst/>
-          </a:prstGeom>
-        </p:spPr>
-      </p:pic>
-      <p:pic>
-        <p:nvPicPr>
-          <p:cNvPr id="3" name="Picture 2"/>
-          <p:cNvPicPr>
-            <a:picLocks noChangeAspect="1"/>
-          </p:cNvPicPr>
-          <p:nvPr/>
-        </p:nvPicPr>
-        <p:blipFill>
-          <a:blip r:embed="rId4">
-            <a:extLst>
-              <a:ext uri="{28A0092B-C50C-407E-A947-70E740481C1C}">
-                <a14:useLocalDpi xmlns:a14="http://schemas.microsoft.com/office/drawing/2010/main" val="0"/>
-              </a:ext>
-            </a:extLst>
-          </a:blip>
-          <a:stretch>
-            <a:fillRect/>
-          </a:stretch>
-        </p:blipFill>
-        <p:spPr>
-          <a:xfrm>
-            <a:off x="4551958" y="3026519"/>
-            <a:ext cx="2543175" cy="952500"/>
-          </a:xfrm>
-          <a:prstGeom prst="rect">
-            <a:avLst/>
-          </a:prstGeom>
-        </p:spPr>
-      </p:pic>
-      <p:pic>
-        <p:nvPicPr>
-          <p:cNvPr id="5" name="Picture 4"/>
-          <p:cNvPicPr>
-            <a:picLocks noChangeAspect="1"/>
-          </p:cNvPicPr>
-          <p:nvPr/>
-        </p:nvPicPr>
-        <p:blipFill>
-          <a:blip r:embed="rId5" cstate="print">
-            <a:extLst>
-              <a:ext uri="{28A0092B-C50C-407E-A947-70E740481C1C}">
-                <a14:useLocalDpi xmlns:a14="http://schemas.microsoft.com/office/drawing/2010/main" val="0"/>
-              </a:ext>
-            </a:extLst>
-          </a:blip>
-          <a:stretch>
-            <a:fillRect/>
-          </a:stretch>
-        </p:blipFill>
-        <p:spPr>
-          <a:xfrm>
-            <a:off x="255489" y="2489200"/>
-            <a:ext cx="2084288" cy="2084288"/>
-          </a:xfrm>
-          <a:prstGeom prst="rect">
-            <a:avLst/>
-          </a:prstGeom>
-        </p:spPr>
-      </p:pic>
-      <p:pic>
-        <p:nvPicPr>
-          <p:cNvPr id="8" name="Picture 7"/>
-          <p:cNvPicPr>
-            <a:picLocks noChangeAspect="1"/>
-          </p:cNvPicPr>
-          <p:nvPr/>
-        </p:nvPicPr>
-        <p:blipFill>
-          <a:blip r:embed="rId6" cstate="print">
-            <a:extLst>
-              <a:ext uri="{28A0092B-C50C-407E-A947-70E740481C1C}">
-                <a14:useLocalDpi xmlns:a14="http://schemas.microsoft.com/office/drawing/2010/main" val="0"/>
-              </a:ext>
-            </a:extLst>
-          </a:blip>
-          <a:stretch>
-            <a:fillRect/>
-          </a:stretch>
-        </p:blipFill>
-        <p:spPr>
-          <a:xfrm>
-            <a:off x="10248332" y="2684090"/>
-            <a:ext cx="1679575" cy="1679575"/>
-          </a:xfrm>
-          <a:prstGeom prst="rect">
-            <a:avLst/>
-          </a:prstGeom>
-        </p:spPr>
-      </p:pic>
-      <p:pic>
-        <p:nvPicPr>
-          <p:cNvPr id="9" name="Picture 8"/>
-          <p:cNvPicPr>
-            <a:picLocks noChangeAspect="1"/>
-          </p:cNvPicPr>
-          <p:nvPr/>
-        </p:nvPicPr>
-        <p:blipFill>
-          <a:blip r:embed="rId7">
-            <a:extLst>
-              <a:ext uri="{28A0092B-C50C-407E-A947-70E740481C1C}">
-                <a14:useLocalDpi xmlns:a14="http://schemas.microsoft.com/office/drawing/2010/main" val="0"/>
-              </a:ext>
-            </a:extLst>
-          </a:blip>
-          <a:stretch>
-            <a:fillRect/>
-          </a:stretch>
-        </p:blipFill>
-        <p:spPr>
-          <a:xfrm>
-            <a:off x="7056785" y="2684090"/>
-            <a:ext cx="2979638" cy="1489819"/>
-          </a:xfrm>
-          <a:prstGeom prst="rect">
-            <a:avLst/>
-          </a:prstGeom>
-        </p:spPr>
-      </p:pic>
-    </p:spTree>
-    <p:extLst>
-      <p:ext uri="{BB962C8B-B14F-4D97-AF65-F5344CB8AC3E}">
-        <p14:creationId xmlns:p14="http://schemas.microsoft.com/office/powerpoint/2010/main" val="2054631774"/>
-      </p:ext>
-    </p:extLst>
-  </p:cSld>
-  <p:clrMapOvr>
-    <a:masterClrMapping/>
-  </p:clrMapOvr>
-  <p:transition spd="slow">
-    <p:push dir="u"/>
-  </p:transition>
-  <p:timing>
-    <p:tnLst>
-      <p:par>
-        <p:cTn id="1" dur="indefinite" restart="never" nodeType="tmRoot">
-          <p:childTnLst>
-            <p:seq concurrent="1" nextAc="seek">
-              <p:cTn id="2" dur="indefinite" nodeType="mainSeq">
-                <p:childTnLst>
-                  <p:par>
-                    <p:cTn id="3" fill="hold">
-                      <p:stCondLst>
-                        <p:cond delay="indefinite"/>
-                      </p:stCondLst>
-                      <p:childTnLst>
-                        <p:par>
-                          <p:cTn id="4" fill="hold">
-                            <p:stCondLst>
-                              <p:cond delay="0"/>
-                            </p:stCondLst>
-                            <p:childTnLst>
-                              <p:par>
-                                <p:cTn id="5" presetID="2" presetClass="entr" presetSubtype="4" fill="hold" nodeType="clickEffect">
-                                  <p:stCondLst>
-                                    <p:cond delay="0"/>
-                                  </p:stCondLst>
-                                  <p:childTnLst>
-                                    <p:set>
-                                      <p:cBhvr>
-                                        <p:cTn id="6" dur="1" fill="hold">
-                                          <p:stCondLst>
-                                            <p:cond delay="0"/>
-                                          </p:stCondLst>
-                                        </p:cTn>
-                                        <p:tgtEl>
-                                          <p:spTgt spid="5"/>
-                                        </p:tgtEl>
-                                        <p:attrNameLst>
-                                          <p:attrName>style.visibility</p:attrName>
-                                        </p:attrNameLst>
-                                      </p:cBhvr>
-                                      <p:to>
-                                        <p:strVal val="visible"/>
-                                      </p:to>
-                                    </p:set>
-                                    <p:anim calcmode="lin" valueType="num">
-                                      <p:cBhvr additive="base">
-                                        <p:cTn id="7" dur="500" fill="hold"/>
-                                        <p:tgtEl>
-                                          <p:spTgt spid="5"/>
-                                        </p:tgtEl>
-                                        <p:attrNameLst>
-                                          <p:attrName>ppt_x</p:attrName>
-                                        </p:attrNameLst>
-                                      </p:cBhvr>
-                                      <p:tavLst>
-                                        <p:tav tm="0">
-                                          <p:val>
-                                            <p:strVal val="#ppt_x"/>
-                                          </p:val>
-                                        </p:tav>
-                                        <p:tav tm="100000">
-                                          <p:val>
-                                            <p:strVal val="#ppt_x"/>
-                                          </p:val>
-                                        </p:tav>
-                                      </p:tavLst>
-                                    </p:anim>
-                                    <p:anim calcmode="lin" valueType="num">
-                                      <p:cBhvr additive="base">
-                                        <p:cTn id="8" dur="500" fill="hold"/>
-                                        <p:tgtEl>
-                                          <p:spTgt spid="5"/>
-                                        </p:tgtEl>
-                                        <p:attrNameLst>
-                                          <p:attrName>ppt_y</p:attrName>
-                                        </p:attrNameLst>
-                                      </p:cBhvr>
-                                      <p:tavLst>
-                                        <p:tav tm="0">
-                                          <p:val>
-                                            <p:strVal val="1+#ppt_h/2"/>
-                                          </p:val>
-                                        </p:tav>
-                                        <p:tav tm="100000">
-                                          <p:val>
-                                            <p:strVal val="#ppt_y"/>
-                                          </p:val>
-                                        </p:tav>
-                                      </p:tavLst>
-                                    </p:anim>
-                                  </p:childTnLst>
-                                </p:cTn>
-                              </p:par>
-                            </p:childTnLst>
-                          </p:cTn>
-                        </p:par>
-                      </p:childTnLst>
-                    </p:cTn>
-                  </p:par>
-                  <p:par>
-                    <p:cTn id="9" fill="hold">
-                      <p:stCondLst>
-                        <p:cond delay="indefinite"/>
-                      </p:stCondLst>
-                      <p:childTnLst>
-                        <p:par>
-                          <p:cTn id="10" fill="hold">
-                            <p:stCondLst>
-                              <p:cond delay="0"/>
-                            </p:stCondLst>
-                            <p:childTnLst>
-                              <p:par>
-                                <p:cTn id="11" presetID="2" presetClass="entr" presetSubtype="4" fill="hold" nodeType="clickEffect">
-                                  <p:stCondLst>
-                                    <p:cond delay="0"/>
-                                  </p:stCondLst>
-                                  <p:childTnLst>
-                                    <p:set>
-                                      <p:cBhvr>
-                                        <p:cTn id="12" dur="1" fill="hold">
-                                          <p:stCondLst>
-                                            <p:cond delay="0"/>
-                                          </p:stCondLst>
-                                        </p:cTn>
-                                        <p:tgtEl>
-                                          <p:spTgt spid="2"/>
-                                        </p:tgtEl>
-                                        <p:attrNameLst>
-                                          <p:attrName>style.visibility</p:attrName>
-                                        </p:attrNameLst>
-                                      </p:cBhvr>
-                                      <p:to>
-                                        <p:strVal val="visible"/>
-                                      </p:to>
-                                    </p:set>
-                                    <p:anim calcmode="lin" valueType="num">
-                                      <p:cBhvr additive="base">
-                                        <p:cTn id="13" dur="500" fill="hold"/>
-                                        <p:tgtEl>
-                                          <p:spTgt spid="2"/>
-                                        </p:tgtEl>
-                                        <p:attrNameLst>
-                                          <p:attrName>ppt_x</p:attrName>
-                                        </p:attrNameLst>
-                                      </p:cBhvr>
-                                      <p:tavLst>
-                                        <p:tav tm="0">
-                                          <p:val>
-                                            <p:strVal val="#ppt_x"/>
-                                          </p:val>
-                                        </p:tav>
-                                        <p:tav tm="100000">
-                                          <p:val>
-                                            <p:strVal val="#ppt_x"/>
-                                          </p:val>
-                                        </p:tav>
-                                      </p:tavLst>
-                                    </p:anim>
-                                    <p:anim calcmode="lin" valueType="num">
-                                      <p:cBhvr additive="base">
-                                        <p:cTn id="14" dur="500" fill="hold"/>
-                                        <p:tgtEl>
-                                          <p:spTgt spid="2"/>
-                                        </p:tgtEl>
-                                        <p:attrNameLst>
-                                          <p:attrName>ppt_y</p:attrName>
-                                        </p:attrNameLst>
-                                      </p:cBhvr>
-                                      <p:tavLst>
-                                        <p:tav tm="0">
-                                          <p:val>
-                                            <p:strVal val="1+#ppt_h/2"/>
-                                          </p:val>
-                                        </p:tav>
-                                        <p:tav tm="100000">
-                                          <p:val>
-                                            <p:strVal val="#ppt_y"/>
-                                          </p:val>
-                                        </p:tav>
-                                      </p:tavLst>
-                                    </p:anim>
-                                  </p:childTnLst>
-                                </p:cTn>
-                              </p:par>
-                            </p:childTnLst>
-                          </p:cTn>
-                        </p:par>
-                      </p:childTnLst>
-                    </p:cTn>
-                  </p:par>
-                  <p:par>
-                    <p:cTn id="15" fill="hold">
-                      <p:stCondLst>
-                        <p:cond delay="indefinite"/>
-                      </p:stCondLst>
-                      <p:childTnLst>
-                        <p:par>
-                          <p:cTn id="16" fill="hold">
-                            <p:stCondLst>
-                              <p:cond delay="0"/>
-                            </p:stCondLst>
-                            <p:childTnLst>
-                              <p:par>
-                                <p:cTn id="17" presetID="2" presetClass="entr" presetSubtype="4" fill="hold" nodeType="clickEffect">
-                                  <p:stCondLst>
-                                    <p:cond delay="0"/>
-                                  </p:stCondLst>
-                                  <p:childTnLst>
-                                    <p:set>
-                                      <p:cBhvr>
-                                        <p:cTn id="18" dur="1" fill="hold">
-                                          <p:stCondLst>
-                                            <p:cond delay="0"/>
-                                          </p:stCondLst>
-                                        </p:cTn>
-                                        <p:tgtEl>
-                                          <p:spTgt spid="3"/>
-                                        </p:tgtEl>
-                                        <p:attrNameLst>
-                                          <p:attrName>style.visibility</p:attrName>
-                                        </p:attrNameLst>
-                                      </p:cBhvr>
-                                      <p:to>
-                                        <p:strVal val="visible"/>
-                                      </p:to>
-                                    </p:set>
-                                    <p:anim calcmode="lin" valueType="num">
-                                      <p:cBhvr additive="base">
-                                        <p:cTn id="19" dur="500" fill="hold"/>
-                                        <p:tgtEl>
-                                          <p:spTgt spid="3"/>
-                                        </p:tgtEl>
-                                        <p:attrNameLst>
-                                          <p:attrName>ppt_x</p:attrName>
-                                        </p:attrNameLst>
-                                      </p:cBhvr>
-                                      <p:tavLst>
-                                        <p:tav tm="0">
-                                          <p:val>
-                                            <p:strVal val="#ppt_x"/>
-                                          </p:val>
-                                        </p:tav>
-                                        <p:tav tm="100000">
-                                          <p:val>
-                                            <p:strVal val="#ppt_x"/>
-                                          </p:val>
-                                        </p:tav>
-                                      </p:tavLst>
-                                    </p:anim>
-                                    <p:anim calcmode="lin" valueType="num">
-                                      <p:cBhvr additive="base">
-                                        <p:cTn id="20" dur="500" fill="hold"/>
-                                        <p:tgtEl>
-                                          <p:spTgt spid="3"/>
-                                        </p:tgtEl>
-                                        <p:attrNameLst>
-                                          <p:attrName>ppt_y</p:attrName>
-                                        </p:attrNameLst>
-                                      </p:cBhvr>
-                                      <p:tavLst>
-                                        <p:tav tm="0">
-                                          <p:val>
-                                            <p:strVal val="1+#ppt_h/2"/>
-                                          </p:val>
-                                        </p:tav>
-                                        <p:tav tm="100000">
-                                          <p:val>
-                                            <p:strVal val="#ppt_y"/>
-                                          </p:val>
-                                        </p:tav>
-                                      </p:tavLst>
-                                    </p:anim>
-                                  </p:childTnLst>
-                                </p:cTn>
-                              </p:par>
-                            </p:childTnLst>
-                          </p:cTn>
-                        </p:par>
-                      </p:childTnLst>
-                    </p:cTn>
-                  </p:par>
-                  <p:par>
-                    <p:cTn id="21" fill="hold">
-                      <p:stCondLst>
-                        <p:cond delay="indefinite"/>
-                      </p:stCondLst>
-                      <p:childTnLst>
-                        <p:par>
-                          <p:cTn id="22" fill="hold">
-                            <p:stCondLst>
-                              <p:cond delay="0"/>
-                            </p:stCondLst>
-                            <p:childTnLst>
-                              <p:par>
-                                <p:cTn id="23" presetID="2" presetClass="entr" presetSubtype="4" fill="hold" nodeType="clickEffect">
-                                  <p:stCondLst>
-                                    <p:cond delay="0"/>
-                                  </p:stCondLst>
-                                  <p:childTnLst>
-                                    <p:set>
-                                      <p:cBhvr>
-                                        <p:cTn id="24" dur="1" fill="hold">
-                                          <p:stCondLst>
-                                            <p:cond delay="0"/>
-                                          </p:stCondLst>
-                                        </p:cTn>
-                                        <p:tgtEl>
-                                          <p:spTgt spid="9"/>
-                                        </p:tgtEl>
-                                        <p:attrNameLst>
-                                          <p:attrName>style.visibility</p:attrName>
-                                        </p:attrNameLst>
-                                      </p:cBhvr>
-                                      <p:to>
-                                        <p:strVal val="visible"/>
-                                      </p:to>
-                                    </p:set>
-                                    <p:anim calcmode="lin" valueType="num">
-                                      <p:cBhvr additive="base">
-                                        <p:cTn id="25" dur="500" fill="hold"/>
-                                        <p:tgtEl>
-                                          <p:spTgt spid="9"/>
-                                        </p:tgtEl>
-                                        <p:attrNameLst>
-                                          <p:attrName>ppt_x</p:attrName>
-                                        </p:attrNameLst>
-                                      </p:cBhvr>
-                                      <p:tavLst>
-                                        <p:tav tm="0">
-                                          <p:val>
-                                            <p:strVal val="#ppt_x"/>
-                                          </p:val>
-                                        </p:tav>
-                                        <p:tav tm="100000">
-                                          <p:val>
-                                            <p:strVal val="#ppt_x"/>
-                                          </p:val>
-                                        </p:tav>
-                                      </p:tavLst>
-                                    </p:anim>
-                                    <p:anim calcmode="lin" valueType="num">
-                                      <p:cBhvr additive="base">
-                                        <p:cTn id="26" dur="500" fill="hold"/>
-                                        <p:tgtEl>
-                                          <p:spTgt spid="9"/>
-                                        </p:tgtEl>
-                                        <p:attrNameLst>
-                                          <p:attrName>ppt_y</p:attrName>
-                                        </p:attrNameLst>
-                                      </p:cBhvr>
-                                      <p:tavLst>
-                                        <p:tav tm="0">
-                                          <p:val>
-                                            <p:strVal val="1+#ppt_h/2"/>
-                                          </p:val>
-                                        </p:tav>
-                                        <p:tav tm="100000">
-                                          <p:val>
-                                            <p:strVal val="#ppt_y"/>
-                                          </p:val>
-                                        </p:tav>
-                                      </p:tavLst>
-                                    </p:anim>
-                                  </p:childTnLst>
-                                </p:cTn>
-                              </p:par>
-                            </p:childTnLst>
-                          </p:cTn>
-                        </p:par>
-                      </p:childTnLst>
-                    </p:cTn>
-                  </p:par>
-                  <p:par>
-                    <p:cTn id="27" fill="hold">
-                      <p:stCondLst>
-                        <p:cond delay="indefinite"/>
-                      </p:stCondLst>
-                      <p:childTnLst>
-                        <p:par>
-                          <p:cTn id="28" fill="hold">
-                            <p:stCondLst>
-                              <p:cond delay="0"/>
-                            </p:stCondLst>
-                            <p:childTnLst>
-                              <p:par>
-                                <p:cTn id="29" presetID="2" presetClass="entr" presetSubtype="4" fill="hold" nodeType="clickEffect">
-                                  <p:stCondLst>
-                                    <p:cond delay="0"/>
-                                  </p:stCondLst>
-                                  <p:childTnLst>
-                                    <p:set>
-                                      <p:cBhvr>
-                                        <p:cTn id="30" dur="1" fill="hold">
-                                          <p:stCondLst>
-                                            <p:cond delay="0"/>
-                                          </p:stCondLst>
-                                        </p:cTn>
-                                        <p:tgtEl>
-                                          <p:spTgt spid="8"/>
-                                        </p:tgtEl>
-                                        <p:attrNameLst>
-                                          <p:attrName>style.visibility</p:attrName>
-                                        </p:attrNameLst>
-                                      </p:cBhvr>
-                                      <p:to>
-                                        <p:strVal val="visible"/>
-                                      </p:to>
-                                    </p:set>
-                                    <p:anim calcmode="lin" valueType="num">
-                                      <p:cBhvr additive="base">
-                                        <p:cTn id="31" dur="500" fill="hold"/>
-                                        <p:tgtEl>
-                                          <p:spTgt spid="8"/>
-                                        </p:tgtEl>
-                                        <p:attrNameLst>
-                                          <p:attrName>ppt_x</p:attrName>
-                                        </p:attrNameLst>
-                                      </p:cBhvr>
-                                      <p:tavLst>
-                                        <p:tav tm="0">
-                                          <p:val>
-                                            <p:strVal val="#ppt_x"/>
-                                          </p:val>
-                                        </p:tav>
-                                        <p:tav tm="100000">
-                                          <p:val>
-                                            <p:strVal val="#ppt_x"/>
-                                          </p:val>
-                                        </p:tav>
-                                      </p:tavLst>
-                                    </p:anim>
-                                    <p:anim calcmode="lin" valueType="num">
-                                      <p:cBhvr additive="base">
-                                        <p:cTn id="32" dur="500" fill="hold"/>
-                                        <p:tgtEl>
-                                          <p:spTgt spid="8"/>
-                                        </p:tgtEl>
-                                        <p:attrNameLst>
-                                          <p:attrName>ppt_y</p:attrName>
-                                        </p:attrNameLst>
-                                      </p:cBhvr>
-                                      <p:tavLst>
-                                        <p:tav tm="0">
-                                          <p:val>
-                                            <p:strVal val="1+#ppt_h/2"/>
-                                          </p:val>
-                                        </p:tav>
-                                        <p:tav tm="100000">
-                                          <p:val>
-                                            <p:strVal val="#ppt_y"/>
-                                          </p:val>
-                                        </p:tav>
-                                      </p:tavLst>
-                                    </p:anim>
-                                  </p:childTnLst>
-                                </p:cTn>
-                              </p:par>
-                            </p:childTnLst>
-                          </p:cTn>
-                        </p:par>
-                      </p:childTnLst>
-                    </p:cTn>
-                  </p:par>
-                </p:childTnLst>
-              </p:cTn>
-              <p:prevCondLst>
-                <p:cond evt="onPrev" delay="0">
-                  <p:tgtEl>
-                    <p:sldTgt/>
-                  </p:tgtEl>
-                </p:cond>
-              </p:prevCondLst>
-              <p:nextCondLst>
-                <p:cond evt="onNext" delay="0">
-                  <p:tgtEl>
-                    <p:sldTgt/>
-                  </p:tgtEl>
-                </p:cond>
-              </p:nextCondLst>
-            </p:seq>
-          </p:childTnLst>
-        </p:cTn>
-      </p:par>
-    </p:tnLst>
-  </p:timing>
-</p:sld>
-</file>
-
-<file path=ppt/slides/slide11.xml><?xml version="1.0" encoding="utf-8"?>
 <p:sld xmlns:a="http://schemas.openxmlformats.org/drawingml/2006/main" xmlns:r="http://schemas.openxmlformats.org/officeDocument/2006/relationships" xmlns:p="http://schemas.openxmlformats.org/presentationml/2006/main">
   <p:cSld>
     <p:bg>
@@ -2173,7 +1493,7 @@
           <a:p>
             <a:pPr algn="r"/>
             <a:r>
-              <a:rPr lang="en-US" sz="3200" b="1" dirty="0" smtClean="0">
+              <a:rPr lang="en-US" sz="3200" b="1" dirty="0">
                 <a:solidFill>
                   <a:schemeClr val="bg1"/>
                 </a:solidFill>
@@ -2203,518 +1523,6 @@
   <p:transition spd="slow">
     <p:push dir="u"/>
   </p:transition>
-  <p:timing>
-    <p:tnLst>
-      <p:par>
-        <p:cTn id="1" dur="indefinite" restart="never" nodeType="tmRoot"/>
-      </p:par>
-    </p:tnLst>
-  </p:timing>
-</p:sld>
-</file>
-
-<file path=ppt/slides/slide12.xml><?xml version="1.0" encoding="utf-8"?>
-<p:sld xmlns:a="http://schemas.openxmlformats.org/drawingml/2006/main" xmlns:r="http://schemas.openxmlformats.org/officeDocument/2006/relationships" xmlns:p="http://schemas.openxmlformats.org/presentationml/2006/main">
-  <p:cSld>
-    <p:bg>
-      <p:bgPr>
-        <a:blipFill dpi="0" rotWithShape="1">
-          <a:blip r:embed="rId2" cstate="print">
-            <a:lum/>
-          </a:blip>
-          <a:srcRect/>
-          <a:stretch>
-            <a:fillRect t="-1000" b="-1000"/>
-          </a:stretch>
-        </a:blipFill>
-        <a:effectLst/>
-      </p:bgPr>
-    </p:bg>
-    <p:spTree>
-      <p:nvGrpSpPr>
-        <p:cNvPr id="1" name=""/>
-        <p:cNvGrpSpPr/>
-        <p:nvPr/>
-      </p:nvGrpSpPr>
-      <p:grpSpPr>
-        <a:xfrm>
-          <a:off x="0" y="0"/>
-          <a:ext cx="0" cy="0"/>
-          <a:chOff x="0" y="0"/>
-          <a:chExt cx="0" cy="0"/>
-        </a:xfrm>
-      </p:grpSpPr>
-      <p:sp>
-        <p:nvSpPr>
-          <p:cNvPr id="6" name="TextBox 5"/>
-          <p:cNvSpPr txBox="1"/>
-          <p:nvPr/>
-        </p:nvSpPr>
-        <p:spPr>
-          <a:xfrm>
-            <a:off x="11267768" y="1165123"/>
-            <a:ext cx="184731" cy="369332"/>
-          </a:xfrm>
-          <a:prstGeom prst="rect">
-            <a:avLst/>
-          </a:prstGeom>
-          <a:noFill/>
-        </p:spPr>
-        <p:txBody>
-          <a:bodyPr wrap="none" rtlCol="0">
-            <a:spAutoFit/>
-          </a:bodyPr>
-          <a:lstStyle/>
-          <a:p>
-            <a:endParaRPr lang="en-US" dirty="0"/>
-          </a:p>
-        </p:txBody>
-      </p:sp>
-      <p:sp>
-        <p:nvSpPr>
-          <p:cNvPr id="7" name="TextBox 6"/>
-          <p:cNvSpPr txBox="1"/>
-          <p:nvPr/>
-        </p:nvSpPr>
-        <p:spPr>
-          <a:xfrm>
-            <a:off x="3886033" y="5513807"/>
-            <a:ext cx="7275718" cy="1200329"/>
-          </a:xfrm>
-          <a:prstGeom prst="rect">
-            <a:avLst/>
-          </a:prstGeom>
-          <a:noFill/>
-        </p:spPr>
-        <p:txBody>
-          <a:bodyPr wrap="square" rtlCol="0">
-            <a:spAutoFit/>
-          </a:bodyPr>
-          <a:lstStyle/>
-          <a:p>
-            <a:pPr rtl="1"/>
-            <a:r>
-              <a:rPr lang="en-US" dirty="0" smtClean="0">
-                <a:cs typeface="B Yekan" panose="00000400000000000000" pitchFamily="2" charset="-78"/>
-                <a:hlinkClick r:id="rId3"/>
-              </a:rPr>
-              <a:t>https://m-taghizadeh.ir</a:t>
-            </a:r>
-            <a:endParaRPr lang="fa-IR" dirty="0" smtClean="0">
-              <a:cs typeface="B Yekan" panose="00000400000000000000" pitchFamily="2" charset="-78"/>
-            </a:endParaRPr>
-          </a:p>
-          <a:p>
-            <a:pPr rtl="1"/>
-            <a:endParaRPr lang="en-US" dirty="0" smtClean="0">
-              <a:cs typeface="B Yekan" panose="00000400000000000000" pitchFamily="2" charset="-78"/>
-            </a:endParaRPr>
-          </a:p>
-          <a:p>
-            <a:pPr rtl="1"/>
-            <a:r>
-              <a:rPr lang="en-US" dirty="0" smtClean="0">
-                <a:cs typeface="B Yekan" panose="00000400000000000000" pitchFamily="2" charset="-78"/>
-                <a:hlinkClick r:id="rId4"/>
-              </a:rPr>
-              <a:t>Taghizadeh.Mhmd@gmail.com</a:t>
-            </a:r>
-            <a:endParaRPr lang="en-US" dirty="0">
-              <a:cs typeface="B Yekan" panose="00000400000000000000" pitchFamily="2" charset="-78"/>
-            </a:endParaRPr>
-          </a:p>
-          <a:p>
-            <a:pPr rtl="1"/>
-            <a:endParaRPr lang="en-US" dirty="0" smtClean="0">
-              <a:cs typeface="B Yekan" panose="00000400000000000000" pitchFamily="2" charset="-78"/>
-            </a:endParaRPr>
-          </a:p>
-        </p:txBody>
-      </p:sp>
-      <p:sp>
-        <p:nvSpPr>
-          <p:cNvPr id="8" name="Title 1"/>
-          <p:cNvSpPr txBox="1">
-            <a:spLocks/>
-          </p:cNvSpPr>
-          <p:nvPr/>
-        </p:nvSpPr>
-        <p:spPr>
-          <a:xfrm>
-            <a:off x="5521332" y="2561348"/>
-            <a:ext cx="9837938" cy="1524644"/>
-          </a:xfrm>
-          <a:prstGeom prst="rect">
-            <a:avLst/>
-          </a:prstGeom>
-        </p:spPr>
-        <p:txBody>
-          <a:bodyPr vert="horz" lIns="91440" tIns="45720" rIns="91440" bIns="45720" rtlCol="0" anchor="b">
-            <a:normAutofit/>
-          </a:bodyPr>
-          <a:lstStyle>
-            <a:lvl1pPr algn="l" defTabSz="914400" rtl="1" eaLnBrk="1" latinLnBrk="0" hangingPunct="1">
-              <a:lnSpc>
-                <a:spcPct val="85000"/>
-              </a:lnSpc>
-              <a:spcBef>
-                <a:spcPct val="0"/>
-              </a:spcBef>
-              <a:buNone/>
-              <a:defRPr sz="8000" kern="1200" spc="-50" baseline="0">
-                <a:solidFill>
-                  <a:schemeClr val="tx1">
-                    <a:lumMod val="85000"/>
-                    <a:lumOff val="15000"/>
-                  </a:schemeClr>
-                </a:solidFill>
-                <a:latin typeface="+mj-lt"/>
-                <a:ea typeface="+mj-ea"/>
-                <a:cs typeface="+mj-cs"/>
-              </a:defRPr>
-            </a:lvl1pPr>
-          </a:lstStyle>
-          <a:p>
-            <a:r>
-              <a:rPr lang="en-US" sz="4000" dirty="0" smtClean="0"/>
-              <a:t>Python Programming Course</a:t>
-            </a:r>
-            <a:endParaRPr lang="fa-IR" sz="4800" dirty="0"/>
-          </a:p>
-        </p:txBody>
-      </p:sp>
-      <p:sp>
-        <p:nvSpPr>
-          <p:cNvPr id="9" name="Content Placeholder 3"/>
-          <p:cNvSpPr txBox="1">
-            <a:spLocks/>
-          </p:cNvSpPr>
-          <p:nvPr/>
-        </p:nvSpPr>
-        <p:spPr>
-          <a:xfrm>
-            <a:off x="14353431" y="5103559"/>
-            <a:ext cx="1005839" cy="410248"/>
-          </a:xfrm>
-          <a:prstGeom prst="rect">
-            <a:avLst/>
-          </a:prstGeom>
-        </p:spPr>
-        <p:txBody>
-          <a:bodyPr/>
-          <a:lstStyle>
-            <a:lvl1pPr marL="91440" indent="-91440" algn="r" defTabSz="914400" rtl="1" eaLnBrk="1" latinLnBrk="0" hangingPunct="1">
-              <a:lnSpc>
-                <a:spcPct val="90000"/>
-              </a:lnSpc>
-              <a:spcBef>
-                <a:spcPts val="1200"/>
-              </a:spcBef>
-              <a:spcAft>
-                <a:spcPts val="200"/>
-              </a:spcAft>
-              <a:buClr>
-                <a:schemeClr val="accent1"/>
-              </a:buClr>
-              <a:buSzPct val="100000"/>
-              <a:buFont typeface="Calibri" panose="020F0502020204030204" pitchFamily="34" charset="0"/>
-              <a:buChar char=" "/>
-              <a:defRPr sz="2000" kern="1200">
-                <a:solidFill>
-                  <a:schemeClr val="tx1">
-                    <a:lumMod val="75000"/>
-                    <a:lumOff val="25000"/>
-                  </a:schemeClr>
-                </a:solidFill>
-                <a:latin typeface="+mn-lt"/>
-                <a:ea typeface="+mn-ea"/>
-                <a:cs typeface="+mn-cs"/>
-              </a:defRPr>
-            </a:lvl1pPr>
-            <a:lvl2pPr marL="384048" indent="-182880" algn="r" defTabSz="914400" rtl="1" eaLnBrk="1" latinLnBrk="0" hangingPunct="1">
-              <a:lnSpc>
-                <a:spcPct val="90000"/>
-              </a:lnSpc>
-              <a:spcBef>
-                <a:spcPts val="200"/>
-              </a:spcBef>
-              <a:spcAft>
-                <a:spcPts val="400"/>
-              </a:spcAft>
-              <a:buClr>
-                <a:schemeClr val="accent1"/>
-              </a:buClr>
-              <a:buFont typeface="Calibri" pitchFamily="34" charset="0"/>
-              <a:buChar char="◦"/>
-              <a:defRPr sz="1800" kern="1200">
-                <a:solidFill>
-                  <a:schemeClr val="tx1">
-                    <a:lumMod val="75000"/>
-                    <a:lumOff val="25000"/>
-                  </a:schemeClr>
-                </a:solidFill>
-                <a:latin typeface="+mn-lt"/>
-                <a:ea typeface="+mn-ea"/>
-                <a:cs typeface="+mn-cs"/>
-              </a:defRPr>
-            </a:lvl2pPr>
-            <a:lvl3pPr marL="566928" indent="-182880" algn="r" defTabSz="914400" rtl="1" eaLnBrk="1" latinLnBrk="0" hangingPunct="1">
-              <a:lnSpc>
-                <a:spcPct val="90000"/>
-              </a:lnSpc>
-              <a:spcBef>
-                <a:spcPts val="200"/>
-              </a:spcBef>
-              <a:spcAft>
-                <a:spcPts val="400"/>
-              </a:spcAft>
-              <a:buClr>
-                <a:schemeClr val="accent1"/>
-              </a:buClr>
-              <a:buFont typeface="Calibri" pitchFamily="34" charset="0"/>
-              <a:buChar char="◦"/>
-              <a:defRPr sz="1400" kern="1200">
-                <a:solidFill>
-                  <a:schemeClr val="tx1">
-                    <a:lumMod val="75000"/>
-                    <a:lumOff val="25000"/>
-                  </a:schemeClr>
-                </a:solidFill>
-                <a:latin typeface="+mn-lt"/>
-                <a:ea typeface="+mn-ea"/>
-                <a:cs typeface="+mn-cs"/>
-              </a:defRPr>
-            </a:lvl3pPr>
-            <a:lvl4pPr marL="749808" indent="-182880" algn="r" defTabSz="914400" rtl="1" eaLnBrk="1" latinLnBrk="0" hangingPunct="1">
-              <a:lnSpc>
-                <a:spcPct val="90000"/>
-              </a:lnSpc>
-              <a:spcBef>
-                <a:spcPts val="200"/>
-              </a:spcBef>
-              <a:spcAft>
-                <a:spcPts val="400"/>
-              </a:spcAft>
-              <a:buClr>
-                <a:schemeClr val="accent1"/>
-              </a:buClr>
-              <a:buFont typeface="Calibri" pitchFamily="34" charset="0"/>
-              <a:buChar char="◦"/>
-              <a:defRPr sz="1400" kern="1200">
-                <a:solidFill>
-                  <a:schemeClr val="tx1">
-                    <a:lumMod val="75000"/>
-                    <a:lumOff val="25000"/>
-                  </a:schemeClr>
-                </a:solidFill>
-                <a:latin typeface="+mn-lt"/>
-                <a:ea typeface="+mn-ea"/>
-                <a:cs typeface="+mn-cs"/>
-              </a:defRPr>
-            </a:lvl4pPr>
-            <a:lvl5pPr marL="932688" indent="-182880" algn="r" defTabSz="914400" rtl="1" eaLnBrk="1" latinLnBrk="0" hangingPunct="1">
-              <a:lnSpc>
-                <a:spcPct val="90000"/>
-              </a:lnSpc>
-              <a:spcBef>
-                <a:spcPts val="200"/>
-              </a:spcBef>
-              <a:spcAft>
-                <a:spcPts val="400"/>
-              </a:spcAft>
-              <a:buClr>
-                <a:schemeClr val="accent1"/>
-              </a:buClr>
-              <a:buFont typeface="Calibri" pitchFamily="34" charset="0"/>
-              <a:buChar char="◦"/>
-              <a:defRPr sz="1400" kern="1200">
-                <a:solidFill>
-                  <a:schemeClr val="tx1">
-                    <a:lumMod val="75000"/>
-                    <a:lumOff val="25000"/>
-                  </a:schemeClr>
-                </a:solidFill>
-                <a:latin typeface="+mn-lt"/>
-                <a:ea typeface="+mn-ea"/>
-                <a:cs typeface="+mn-cs"/>
-              </a:defRPr>
-            </a:lvl5pPr>
-            <a:lvl6pPr marL="1100000" indent="-228600" algn="r" defTabSz="914400" rtl="1" eaLnBrk="1" latinLnBrk="0" hangingPunct="1">
-              <a:lnSpc>
-                <a:spcPct val="90000"/>
-              </a:lnSpc>
-              <a:spcBef>
-                <a:spcPts val="200"/>
-              </a:spcBef>
-              <a:spcAft>
-                <a:spcPts val="400"/>
-              </a:spcAft>
-              <a:buClr>
-                <a:schemeClr val="accent1"/>
-              </a:buClr>
-              <a:buFont typeface="Calibri" pitchFamily="34" charset="0"/>
-              <a:buChar char="◦"/>
-              <a:defRPr sz="1400" kern="1200">
-                <a:solidFill>
-                  <a:schemeClr val="tx1">
-                    <a:lumMod val="75000"/>
-                    <a:lumOff val="25000"/>
-                  </a:schemeClr>
-                </a:solidFill>
-                <a:latin typeface="+mn-lt"/>
-                <a:ea typeface="+mn-ea"/>
-                <a:cs typeface="+mn-cs"/>
-              </a:defRPr>
-            </a:lvl6pPr>
-            <a:lvl7pPr marL="1300000" indent="-228600" algn="r" defTabSz="914400" rtl="1" eaLnBrk="1" latinLnBrk="0" hangingPunct="1">
-              <a:lnSpc>
-                <a:spcPct val="90000"/>
-              </a:lnSpc>
-              <a:spcBef>
-                <a:spcPts val="200"/>
-              </a:spcBef>
-              <a:spcAft>
-                <a:spcPts val="400"/>
-              </a:spcAft>
-              <a:buClr>
-                <a:schemeClr val="accent1"/>
-              </a:buClr>
-              <a:buFont typeface="Calibri" pitchFamily="34" charset="0"/>
-              <a:buChar char="◦"/>
-              <a:defRPr sz="1400" kern="1200">
-                <a:solidFill>
-                  <a:schemeClr val="tx1">
-                    <a:lumMod val="75000"/>
-                    <a:lumOff val="25000"/>
-                  </a:schemeClr>
-                </a:solidFill>
-                <a:latin typeface="+mn-lt"/>
-                <a:ea typeface="+mn-ea"/>
-                <a:cs typeface="+mn-cs"/>
-              </a:defRPr>
-            </a:lvl7pPr>
-            <a:lvl8pPr marL="1500000" indent="-228600" algn="r" defTabSz="914400" rtl="1" eaLnBrk="1" latinLnBrk="0" hangingPunct="1">
-              <a:lnSpc>
-                <a:spcPct val="90000"/>
-              </a:lnSpc>
-              <a:spcBef>
-                <a:spcPts val="200"/>
-              </a:spcBef>
-              <a:spcAft>
-                <a:spcPts val="400"/>
-              </a:spcAft>
-              <a:buClr>
-                <a:schemeClr val="accent1"/>
-              </a:buClr>
-              <a:buFont typeface="Calibri" pitchFamily="34" charset="0"/>
-              <a:buChar char="◦"/>
-              <a:defRPr sz="1400" kern="1200">
-                <a:solidFill>
-                  <a:schemeClr val="tx1">
-                    <a:lumMod val="75000"/>
-                    <a:lumOff val="25000"/>
-                  </a:schemeClr>
-                </a:solidFill>
-                <a:latin typeface="+mn-lt"/>
-                <a:ea typeface="+mn-ea"/>
-                <a:cs typeface="+mn-cs"/>
-              </a:defRPr>
-            </a:lvl8pPr>
-            <a:lvl9pPr marL="1700000" indent="-228600" algn="r" defTabSz="914400" rtl="1" eaLnBrk="1" latinLnBrk="0" hangingPunct="1">
-              <a:lnSpc>
-                <a:spcPct val="90000"/>
-              </a:lnSpc>
-              <a:spcBef>
-                <a:spcPts val="200"/>
-              </a:spcBef>
-              <a:spcAft>
-                <a:spcPts val="400"/>
-              </a:spcAft>
-              <a:buClr>
-                <a:schemeClr val="accent1"/>
-              </a:buClr>
-              <a:buFont typeface="Calibri" pitchFamily="34" charset="0"/>
-              <a:buChar char="◦"/>
-              <a:defRPr sz="1400" kern="1200">
-                <a:solidFill>
-                  <a:schemeClr val="tx1">
-                    <a:lumMod val="75000"/>
-                    <a:lumOff val="25000"/>
-                  </a:schemeClr>
-                </a:solidFill>
-                <a:latin typeface="+mn-lt"/>
-                <a:ea typeface="+mn-ea"/>
-                <a:cs typeface="+mn-cs"/>
-              </a:defRPr>
-            </a:lvl9pPr>
-          </a:lstStyle>
-          <a:p>
-            <a:r>
-              <a:rPr lang="en-US" dirty="0" smtClean="0">
-                <a:solidFill>
-                  <a:schemeClr val="bg1"/>
-                </a:solidFill>
-              </a:rPr>
-              <a:t>Page 1</a:t>
-            </a:r>
-            <a:endParaRPr lang="fa-IR" dirty="0">
-              <a:solidFill>
-                <a:schemeClr val="bg1"/>
-              </a:solidFill>
-            </a:endParaRPr>
-          </a:p>
-        </p:txBody>
-      </p:sp>
-      <p:pic>
-        <p:nvPicPr>
-          <p:cNvPr id="11" name="Picture 10"/>
-          <p:cNvPicPr>
-            <a:picLocks noChangeAspect="1"/>
-          </p:cNvPicPr>
-          <p:nvPr/>
-        </p:nvPicPr>
-        <p:blipFill>
-          <a:blip r:embed="rId5" cstate="print">
-            <a:extLst>
-              <a:ext uri="{28A0092B-C50C-407E-A947-70E740481C1C}">
-                <a14:useLocalDpi xmlns:a14="http://schemas.microsoft.com/office/drawing/2010/main" val="0"/>
-              </a:ext>
-            </a:extLst>
-          </a:blip>
-          <a:stretch>
-            <a:fillRect/>
-          </a:stretch>
-        </p:blipFill>
-        <p:spPr>
-          <a:xfrm flipH="1">
-            <a:off x="4261994" y="3039820"/>
-            <a:ext cx="1143000" cy="1143000"/>
-          </a:xfrm>
-          <a:prstGeom prst="rect">
-            <a:avLst/>
-          </a:prstGeom>
-        </p:spPr>
-      </p:pic>
-    </p:spTree>
-    <p:extLst>
-      <p:ext uri="{BB962C8B-B14F-4D97-AF65-F5344CB8AC3E}">
-        <p14:creationId xmlns:p14="http://schemas.microsoft.com/office/powerpoint/2010/main" val="3633935115"/>
-      </p:ext>
-    </p:extLst>
-  </p:cSld>
-  <p:clrMapOvr>
-    <a:masterClrMapping/>
-  </p:clrMapOvr>
-  <p:transition spd="slow">
-    <p:wipe/>
-  </p:transition>
-  <p:timing>
-    <p:tnLst>
-      <p:par>
-        <p:cTn id="1" dur="indefinite" restart="never" nodeType="tmRoot"/>
-      </p:par>
-    </p:tnLst>
-  </p:timing>
 </p:sld>
 </file>
 
@@ -2751,48 +1559,80 @@
       </p:grpSpPr>
       <p:sp>
         <p:nvSpPr>
-          <p:cNvPr id="2" name="Title 1"/>
-          <p:cNvSpPr>
-            <a:spLocks noGrp="1"/>
-          </p:cNvSpPr>
-          <p:nvPr>
-            <p:ph type="title" idx="4294967295"/>
-          </p:nvPr>
+          <p:cNvPr id="4" name="TextBox 3"/>
+          <p:cNvSpPr txBox="1"/>
+          <p:nvPr/>
         </p:nvSpPr>
         <p:spPr>
           <a:xfrm>
-            <a:off x="6798366" y="538828"/>
-            <a:ext cx="5005846" cy="955675"/>
-          </a:xfrm>
+            <a:off x="10248332" y="6560390"/>
+            <a:ext cx="2497540" cy="307777"/>
+          </a:xfrm>
+          <a:prstGeom prst="rect">
+            <a:avLst/>
+          </a:prstGeom>
+          <a:noFill/>
         </p:spPr>
         <p:txBody>
-          <a:bodyPr>
-            <a:normAutofit fontScale="90000"/>
+          <a:bodyPr wrap="square" rtlCol="0">
+            <a:spAutoFit/>
           </a:bodyPr>
           <a:lstStyle/>
           <a:p>
-            <a:pPr algn="r"/>
             <a:r>
-              <a:rPr lang="fa-IR" sz="3200" dirty="0" smtClean="0">
+              <a:rPr lang="en-US" sz="1400" dirty="0">
                 <a:solidFill>
                   <a:schemeClr val="bg1"/>
                 </a:solidFill>
-                <a:cs typeface="B Titr" panose="00000700000000000000" pitchFamily="2" charset="-78"/>
               </a:rPr>
-              <a:t>دوره ی برنامه نویسی با زبان پایتون</a:t>
+              <a:t>www.Daneshjooyar.com</a:t>
             </a:r>
-            <a:endParaRPr lang="en-US" sz="2000" dirty="0">
+          </a:p>
+        </p:txBody>
+      </p:sp>
+      <p:sp>
+        <p:nvSpPr>
+          <p:cNvPr id="6" name="TextBox 5"/>
+          <p:cNvSpPr txBox="1"/>
+          <p:nvPr/>
+        </p:nvSpPr>
+        <p:spPr>
+          <a:xfrm>
+            <a:off x="5396932" y="6550223"/>
+            <a:ext cx="2497540" cy="523220"/>
+          </a:xfrm>
+          <a:prstGeom prst="rect">
+            <a:avLst/>
+          </a:prstGeom>
+          <a:noFill/>
+        </p:spPr>
+        <p:txBody>
+          <a:bodyPr wrap="square" rtlCol="0">
+            <a:spAutoFit/>
+          </a:bodyPr>
+          <a:lstStyle/>
+          <a:p>
+            <a:r>
+              <a:rPr lang="en-US" sz="1400" dirty="0">
+                <a:solidFill>
+                  <a:schemeClr val="bg1"/>
+                </a:solidFill>
+              </a:rPr>
+              <a:t>M-Taghizadeh.ir</a:t>
+            </a:r>
+          </a:p>
+          <a:p>
+            <a:endParaRPr lang="en-US" sz="1400" dirty="0">
               <a:solidFill>
                 <a:schemeClr val="bg1"/>
               </a:solidFill>
-              <a:cs typeface="B Titr" panose="00000700000000000000" pitchFamily="2" charset="-78"/>
             </a:endParaRPr>
           </a:p>
         </p:txBody>
       </p:sp>
       <p:sp>
         <p:nvSpPr>
-          <p:cNvPr id="4" name="Title 1"/>
+          <p:cNvPr id="7" name="Title 1"/>
           <p:cNvSpPr txBox="1">
             <a:spLocks/>
           </p:cNvSpPr>
@@ -2800,8 +1640,8 @@
         </p:nvSpPr>
         <p:spPr>
           <a:xfrm>
-            <a:off x="5269155" y="1772799"/>
-            <a:ext cx="6535057" cy="718013"/>
+            <a:off x="-217714" y="219515"/>
+            <a:ext cx="2950496" cy="955675"/>
           </a:xfrm>
           <a:prstGeom prst="rect">
             <a:avLst/>
@@ -2809,7 +1649,7 @@
         </p:spPr>
         <p:txBody>
           <a:bodyPr vert="horz" lIns="91440" tIns="45720" rIns="91440" bIns="45720" rtlCol="0" anchor="ctr">
-            <a:normAutofit/>
+            <a:normAutofit fontScale="97500"/>
           </a:bodyPr>
           <a:lstStyle>
             <a:lvl1pPr algn="l" defTabSz="914400" rtl="0" eaLnBrk="1" latinLnBrk="0" hangingPunct="1">
@@ -2833,323 +1673,19 @@
           <a:p>
             <a:pPr algn="r"/>
             <a:r>
-              <a:rPr lang="fa-IR" sz="2400" dirty="0" smtClean="0">
+              <a:rPr lang="en-US" sz="3200" b="1" dirty="0">
                 <a:solidFill>
                   <a:schemeClr val="bg1"/>
                 </a:solidFill>
-                <a:cs typeface="B Yekan" panose="00000400000000000000" pitchFamily="2" charset="-78"/>
+                <a:cs typeface="B Titr" panose="00000700000000000000" pitchFamily="2" charset="-78"/>
               </a:rPr>
-              <a:t>نام مدرس :</a:t>
+              <a:t>Python History?</a:t>
             </a:r>
-            <a:r>
-              <a:rPr lang="fa-IR" sz="2800" dirty="0" smtClean="0">
-                <a:solidFill>
-                  <a:schemeClr val="bg1"/>
-                </a:solidFill>
-                <a:cs typeface="B Yekan" panose="00000400000000000000" pitchFamily="2" charset="-78"/>
-              </a:rPr>
-              <a:t> </a:t>
-            </a:r>
-            <a:r>
-              <a:rPr lang="fa-IR" sz="2400" dirty="0" smtClean="0">
-                <a:solidFill>
-                  <a:schemeClr val="bg1"/>
-                </a:solidFill>
-                <a:cs typeface="B Yekan" panose="00000400000000000000" pitchFamily="2" charset="-78"/>
-              </a:rPr>
-              <a:t>محمد تقی زاده</a:t>
-            </a:r>
-            <a:endParaRPr lang="en-US" sz="2400" dirty="0">
+            <a:endParaRPr lang="en-US" sz="2000" b="1" dirty="0">
               <a:solidFill>
                 <a:schemeClr val="bg1"/>
               </a:solidFill>
-              <a:cs typeface="B Yekan" panose="00000400000000000000" pitchFamily="2" charset="-78"/>
-            </a:endParaRPr>
-          </a:p>
-        </p:txBody>
-      </p:sp>
-      <p:sp>
-        <p:nvSpPr>
-          <p:cNvPr id="6" name="TextBox 5"/>
-          <p:cNvSpPr txBox="1"/>
-          <p:nvPr/>
-        </p:nvSpPr>
-        <p:spPr>
-          <a:xfrm>
-            <a:off x="10248332" y="6560390"/>
-            <a:ext cx="2497540" cy="307777"/>
-          </a:xfrm>
-          <a:prstGeom prst="rect">
-            <a:avLst/>
-          </a:prstGeom>
-          <a:noFill/>
-        </p:spPr>
-        <p:txBody>
-          <a:bodyPr wrap="square" rtlCol="0">
-            <a:spAutoFit/>
-          </a:bodyPr>
-          <a:lstStyle/>
-          <a:p>
-            <a:r>
-              <a:rPr lang="en-US" sz="1400" dirty="0" smtClean="0">
-                <a:solidFill>
-                  <a:schemeClr val="bg2">
-                    <a:lumMod val="50000"/>
-                  </a:schemeClr>
-                </a:solidFill>
-              </a:rPr>
-              <a:t>www.Daneshjooyar.com</a:t>
-            </a:r>
-            <a:endParaRPr lang="en-US" sz="1400" dirty="0">
-              <a:solidFill>
-                <a:schemeClr val="bg2">
-                  <a:lumMod val="50000"/>
-                </a:schemeClr>
-              </a:solidFill>
-            </a:endParaRPr>
-          </a:p>
-        </p:txBody>
-      </p:sp>
-      <p:pic>
-        <p:nvPicPr>
-          <p:cNvPr id="8" name="Picture 7"/>
-          <p:cNvPicPr>
-            <a:picLocks noChangeAspect="1"/>
-          </p:cNvPicPr>
-          <p:nvPr/>
-        </p:nvPicPr>
-        <p:blipFill>
-          <a:blip r:embed="rId3">
-            <a:extLst>
-              <a:ext uri="{28A0092B-C50C-407E-A947-70E740481C1C}">
-                <a14:useLocalDpi xmlns:a14="http://schemas.microsoft.com/office/drawing/2010/main" val="0"/>
-              </a:ext>
-            </a:extLst>
-          </a:blip>
-          <a:stretch>
-            <a:fillRect/>
-          </a:stretch>
-        </p:blipFill>
-        <p:spPr>
-          <a:xfrm>
-            <a:off x="800100" y="2876550"/>
-            <a:ext cx="2235200" cy="2235200"/>
-          </a:xfrm>
-          <a:prstGeom prst="rect">
-            <a:avLst/>
-          </a:prstGeom>
-        </p:spPr>
-      </p:pic>
-      <p:sp>
-        <p:nvSpPr>
-          <p:cNvPr id="9" name="Subtitle 2"/>
-          <p:cNvSpPr txBox="1">
-            <a:spLocks/>
-          </p:cNvSpPr>
-          <p:nvPr/>
-        </p:nvSpPr>
-        <p:spPr>
-          <a:xfrm>
-            <a:off x="5871441" y="3994150"/>
-            <a:ext cx="10058400" cy="408480"/>
-          </a:xfrm>
-          <a:prstGeom prst="rect">
-            <a:avLst/>
-          </a:prstGeom>
-        </p:spPr>
-        <p:txBody>
-          <a:bodyPr>
-            <a:noAutofit/>
-          </a:bodyPr>
-          <a:lstStyle>
-            <a:lvl1pPr marL="228600" indent="-228600" algn="l" defTabSz="914400" rtl="0" eaLnBrk="1" latinLnBrk="0" hangingPunct="1">
-              <a:lnSpc>
-                <a:spcPct val="90000"/>
-              </a:lnSpc>
-              <a:spcBef>
-                <a:spcPts val="1000"/>
-              </a:spcBef>
-              <a:buFont typeface="Arial" panose="020B0604020202020204" pitchFamily="34" charset="0"/>
-              <a:buChar char="•"/>
-              <a:defRPr sz="2800" kern="1200">
-                <a:solidFill>
-                  <a:schemeClr val="tx1"/>
-                </a:solidFill>
-                <a:latin typeface="+mn-lt"/>
-                <a:ea typeface="+mn-ea"/>
-                <a:cs typeface="+mn-cs"/>
-              </a:defRPr>
-            </a:lvl1pPr>
-            <a:lvl2pPr marL="685800" indent="-228600" algn="l" defTabSz="914400" rtl="0" eaLnBrk="1" latinLnBrk="0" hangingPunct="1">
-              <a:lnSpc>
-                <a:spcPct val="90000"/>
-              </a:lnSpc>
-              <a:spcBef>
-                <a:spcPts val="500"/>
-              </a:spcBef>
-              <a:buFont typeface="Arial" panose="020B0604020202020204" pitchFamily="34" charset="0"/>
-              <a:buChar char="•"/>
-              <a:defRPr sz="2400" kern="1200">
-                <a:solidFill>
-                  <a:schemeClr val="tx1"/>
-                </a:solidFill>
-                <a:latin typeface="+mn-lt"/>
-                <a:ea typeface="+mn-ea"/>
-                <a:cs typeface="+mn-cs"/>
-              </a:defRPr>
-            </a:lvl2pPr>
-            <a:lvl3pPr marL="1143000" indent="-228600" algn="l" defTabSz="914400" rtl="0" eaLnBrk="1" latinLnBrk="0" hangingPunct="1">
-              <a:lnSpc>
-                <a:spcPct val="90000"/>
-              </a:lnSpc>
-              <a:spcBef>
-                <a:spcPts val="500"/>
-              </a:spcBef>
-              <a:buFont typeface="Arial" panose="020B0604020202020204" pitchFamily="34" charset="0"/>
-              <a:buChar char="•"/>
-              <a:defRPr sz="2000" kern="1200">
-                <a:solidFill>
-                  <a:schemeClr val="tx1"/>
-                </a:solidFill>
-                <a:latin typeface="+mn-lt"/>
-                <a:ea typeface="+mn-ea"/>
-                <a:cs typeface="+mn-cs"/>
-              </a:defRPr>
-            </a:lvl3pPr>
-            <a:lvl4pPr marL="1600200" indent="-228600" algn="l" defTabSz="914400" rtl="0" eaLnBrk="1" latinLnBrk="0" hangingPunct="1">
-              <a:lnSpc>
-                <a:spcPct val="90000"/>
-              </a:lnSpc>
-              <a:spcBef>
-                <a:spcPts val="500"/>
-              </a:spcBef>
-              <a:buFont typeface="Arial" panose="020B0604020202020204" pitchFamily="34" charset="0"/>
-              <a:buChar char="•"/>
-              <a:defRPr sz="1800" kern="1200">
-                <a:solidFill>
-                  <a:schemeClr val="tx1"/>
-                </a:solidFill>
-                <a:latin typeface="+mn-lt"/>
-                <a:ea typeface="+mn-ea"/>
-                <a:cs typeface="+mn-cs"/>
-              </a:defRPr>
-            </a:lvl4pPr>
-            <a:lvl5pPr marL="2057400" indent="-228600" algn="l" defTabSz="914400" rtl="0" eaLnBrk="1" latinLnBrk="0" hangingPunct="1">
-              <a:lnSpc>
-                <a:spcPct val="90000"/>
-              </a:lnSpc>
-              <a:spcBef>
-                <a:spcPts val="500"/>
-              </a:spcBef>
-              <a:buFont typeface="Arial" panose="020B0604020202020204" pitchFamily="34" charset="0"/>
-              <a:buChar char="•"/>
-              <a:defRPr sz="1800" kern="1200">
-                <a:solidFill>
-                  <a:schemeClr val="tx1"/>
-                </a:solidFill>
-                <a:latin typeface="+mn-lt"/>
-                <a:ea typeface="+mn-ea"/>
-                <a:cs typeface="+mn-cs"/>
-              </a:defRPr>
-            </a:lvl5pPr>
-            <a:lvl6pPr marL="2514600" indent="-228600" algn="l" defTabSz="914400" rtl="0" eaLnBrk="1" latinLnBrk="0" hangingPunct="1">
-              <a:lnSpc>
-                <a:spcPct val="90000"/>
-              </a:lnSpc>
-              <a:spcBef>
-                <a:spcPts val="500"/>
-              </a:spcBef>
-              <a:buFont typeface="Arial" panose="020B0604020202020204" pitchFamily="34" charset="0"/>
-              <a:buChar char="•"/>
-              <a:defRPr sz="1800" kern="1200">
-                <a:solidFill>
-                  <a:schemeClr val="tx1"/>
-                </a:solidFill>
-                <a:latin typeface="+mn-lt"/>
-                <a:ea typeface="+mn-ea"/>
-                <a:cs typeface="+mn-cs"/>
-              </a:defRPr>
-            </a:lvl6pPr>
-            <a:lvl7pPr marL="2971800" indent="-228600" algn="l" defTabSz="914400" rtl="0" eaLnBrk="1" latinLnBrk="0" hangingPunct="1">
-              <a:lnSpc>
-                <a:spcPct val="90000"/>
-              </a:lnSpc>
-              <a:spcBef>
-                <a:spcPts val="500"/>
-              </a:spcBef>
-              <a:buFont typeface="Arial" panose="020B0604020202020204" pitchFamily="34" charset="0"/>
-              <a:buChar char="•"/>
-              <a:defRPr sz="1800" kern="1200">
-                <a:solidFill>
-                  <a:schemeClr val="tx1"/>
-                </a:solidFill>
-                <a:latin typeface="+mn-lt"/>
-                <a:ea typeface="+mn-ea"/>
-                <a:cs typeface="+mn-cs"/>
-              </a:defRPr>
-            </a:lvl7pPr>
-            <a:lvl8pPr marL="3429000" indent="-228600" algn="l" defTabSz="914400" rtl="0" eaLnBrk="1" latinLnBrk="0" hangingPunct="1">
-              <a:lnSpc>
-                <a:spcPct val="90000"/>
-              </a:lnSpc>
-              <a:spcBef>
-                <a:spcPts val="500"/>
-              </a:spcBef>
-              <a:buFont typeface="Arial" panose="020B0604020202020204" pitchFamily="34" charset="0"/>
-              <a:buChar char="•"/>
-              <a:defRPr sz="1800" kern="1200">
-                <a:solidFill>
-                  <a:schemeClr val="tx1"/>
-                </a:solidFill>
-                <a:latin typeface="+mn-lt"/>
-                <a:ea typeface="+mn-ea"/>
-                <a:cs typeface="+mn-cs"/>
-              </a:defRPr>
-            </a:lvl8pPr>
-            <a:lvl9pPr marL="3886200" indent="-228600" algn="l" defTabSz="914400" rtl="0" eaLnBrk="1" latinLnBrk="0" hangingPunct="1">
-              <a:lnSpc>
-                <a:spcPct val="90000"/>
-              </a:lnSpc>
-              <a:spcBef>
-                <a:spcPts val="500"/>
-              </a:spcBef>
-              <a:buFont typeface="Arial" panose="020B0604020202020204" pitchFamily="34" charset="0"/>
-              <a:buChar char="•"/>
-              <a:defRPr sz="1800" kern="1200">
-                <a:solidFill>
-                  <a:schemeClr val="tx1"/>
-                </a:solidFill>
-                <a:latin typeface="+mn-lt"/>
-                <a:ea typeface="+mn-ea"/>
-                <a:cs typeface="+mn-cs"/>
-              </a:defRPr>
-            </a:lvl9pPr>
-          </a:lstStyle>
-          <a:p>
-            <a:r>
-              <a:rPr lang="en-US" sz="1600" dirty="0" smtClean="0">
-                <a:solidFill>
-                  <a:schemeClr val="bg1"/>
-                </a:solidFill>
-              </a:rPr>
-              <a:t>http://M-Taghizadeh.ir</a:t>
-            </a:r>
-          </a:p>
-          <a:p>
-            <a:r>
-              <a:rPr lang="en-US" sz="1600" dirty="0" smtClean="0">
-                <a:solidFill>
-                  <a:schemeClr val="bg1"/>
-                </a:solidFill>
-              </a:rPr>
-              <a:t>Taghizadeh.mhmd@gmail.com</a:t>
-            </a:r>
-          </a:p>
-          <a:p>
-            <a:endParaRPr lang="en-US" sz="600" dirty="0" smtClean="0">
-              <a:solidFill>
-                <a:schemeClr val="bg1"/>
-              </a:solidFill>
+              <a:cs typeface="B Titr" panose="00000700000000000000" pitchFamily="2" charset="-78"/>
             </a:endParaRPr>
           </a:p>
         </p:txBody>
@@ -3163,7 +1699,7 @@
           <p:nvPr/>
         </p:nvPicPr>
         <p:blipFill>
-          <a:blip r:embed="rId4" cstate="print">
+          <a:blip r:embed="rId3" cstate="print">
             <a:extLst>
               <a:ext uri="{28A0092B-C50C-407E-A947-70E740481C1C}">
                 <a14:useLocalDpi xmlns:a14="http://schemas.microsoft.com/office/drawing/2010/main" val="0"/>
@@ -3175,9 +1711,9 @@
           </a:stretch>
         </p:blipFill>
         <p:spPr>
-          <a:xfrm flipH="1">
-            <a:off x="5655366" y="538828"/>
-            <a:ext cx="1143000" cy="1143000"/>
+          <a:xfrm>
+            <a:off x="2350833" y="1175190"/>
+            <a:ext cx="7808599" cy="5205732"/>
           </a:xfrm>
           <a:prstGeom prst="rect">
             <a:avLst/>
@@ -3187,7 +1723,7 @@
     </p:spTree>
     <p:extLst>
       <p:ext uri="{BB962C8B-B14F-4D97-AF65-F5344CB8AC3E}">
-        <p14:creationId xmlns:p14="http://schemas.microsoft.com/office/powerpoint/2010/main" val="3848335971"/>
+        <p14:creationId xmlns:p14="http://schemas.microsoft.com/office/powerpoint/2010/main" val="1225505023"/>
       </p:ext>
     </p:extLst>
   </p:cSld>
@@ -3195,15 +1731,8 @@
     <a:masterClrMapping/>
   </p:clrMapOvr>
   <p:transition spd="slow">
-    <p:wipe/>
+    <p:push dir="u"/>
   </p:transition>
-  <p:timing>
-    <p:tnLst>
-      <p:par>
-        <p:cTn id="1" dur="indefinite" restart="never" nodeType="tmRoot"/>
-      </p:par>
-    </p:tnLst>
-  </p:timing>
 </p:sld>
 </file>
 
@@ -3261,18 +1790,13 @@
           <a:lstStyle/>
           <a:p>
             <a:r>
-              <a:rPr lang="en-US" sz="1400" dirty="0" smtClean="0">
+              <a:rPr lang="en-US" sz="1400" dirty="0">
                 <a:solidFill>
                   <a:schemeClr val="bg1"/>
                 </a:solidFill>
               </a:rPr>
               <a:t>www.Daneshjooyar.com</a:t>
             </a:r>
-            <a:endParaRPr lang="en-US" sz="1400" dirty="0">
-              <a:solidFill>
-                <a:schemeClr val="bg1"/>
-              </a:solidFill>
-            </a:endParaRPr>
           </a:p>
         </p:txBody>
       </p:sp>
@@ -3299,7 +1823,7 @@
           <a:lstStyle/>
           <a:p>
             <a:r>
-              <a:rPr lang="en-US" sz="1400" dirty="0" smtClean="0">
+              <a:rPr lang="en-US" sz="1400" dirty="0">
                 <a:solidFill>
                   <a:schemeClr val="bg1"/>
                 </a:solidFill>
@@ -3326,8 +1850,8 @@
         </p:nvSpPr>
         <p:spPr>
           <a:xfrm>
-            <a:off x="-217714" y="219515"/>
-            <a:ext cx="2950496" cy="955675"/>
+            <a:off x="-537029" y="248543"/>
+            <a:ext cx="2965011" cy="955675"/>
           </a:xfrm>
           <a:prstGeom prst="rect">
             <a:avLst/>
@@ -3359,13 +1883,13 @@
           <a:p>
             <a:pPr algn="r"/>
             <a:r>
-              <a:rPr lang="en-US" sz="3200" b="1" dirty="0" smtClean="0">
+              <a:rPr lang="en-US" sz="3200" b="1" dirty="0">
                 <a:solidFill>
                   <a:schemeClr val="bg1"/>
                 </a:solidFill>
                 <a:cs typeface="B Titr" panose="00000700000000000000" pitchFamily="2" charset="-78"/>
               </a:rPr>
-              <a:t>Python History?</a:t>
+              <a:t>Why Python?</a:t>
             </a:r>
             <a:endParaRPr lang="en-US" sz="2000" b="1" dirty="0">
               <a:solidFill>
@@ -3378,14 +1902,14 @@
       </p:sp>
       <p:pic>
         <p:nvPicPr>
-          <p:cNvPr id="3" name="Picture 2"/>
+          <p:cNvPr id="2" name="Picture 1"/>
           <p:cNvPicPr>
             <a:picLocks noChangeAspect="1"/>
           </p:cNvPicPr>
           <p:nvPr/>
         </p:nvPicPr>
         <p:blipFill>
-          <a:blip r:embed="rId3" cstate="print">
+          <a:blip r:embed="rId3">
             <a:extLst>
               <a:ext uri="{28A0092B-C50C-407E-A947-70E740481C1C}">
                 <a14:useLocalDpi xmlns:a14="http://schemas.microsoft.com/office/drawing/2010/main" val="0"/>
@@ -3398,8 +1922,38 @@
         </p:blipFill>
         <p:spPr>
           <a:xfrm>
-            <a:off x="2350833" y="1175190"/>
-            <a:ext cx="7808599" cy="5205732"/>
+            <a:off x="2632201" y="1087239"/>
+            <a:ext cx="6710319" cy="2549921"/>
+          </a:xfrm>
+          <a:prstGeom prst="rect">
+            <a:avLst/>
+          </a:prstGeom>
+        </p:spPr>
+      </p:pic>
+      <p:pic>
+        <p:nvPicPr>
+          <p:cNvPr id="8" name="Picture 7"/>
+          <p:cNvPicPr>
+            <a:picLocks noChangeAspect="1"/>
+          </p:cNvPicPr>
+          <p:nvPr/>
+        </p:nvPicPr>
+        <p:blipFill>
+          <a:blip r:embed="rId4">
+            <a:extLst>
+              <a:ext uri="{28A0092B-C50C-407E-A947-70E740481C1C}">
+                <a14:useLocalDpi xmlns:a14="http://schemas.microsoft.com/office/drawing/2010/main" val="0"/>
+              </a:ext>
+            </a:extLst>
+          </a:blip>
+          <a:stretch>
+            <a:fillRect/>
+          </a:stretch>
+        </p:blipFill>
+        <p:spPr>
+          <a:xfrm>
+            <a:off x="0" y="3324407"/>
+            <a:ext cx="12192000" cy="3028586"/>
           </a:xfrm>
           <a:prstGeom prst="rect">
             <a:avLst/>
@@ -3409,7 +1963,7 @@
     </p:spTree>
     <p:extLst>
       <p:ext uri="{BB962C8B-B14F-4D97-AF65-F5344CB8AC3E}">
-        <p14:creationId xmlns:p14="http://schemas.microsoft.com/office/powerpoint/2010/main" val="1225505023"/>
+        <p14:creationId xmlns:p14="http://schemas.microsoft.com/office/powerpoint/2010/main" val="1641428033"/>
       </p:ext>
     </p:extLst>
   </p:cSld>
@@ -3419,13 +1973,6 @@
   <p:transition spd="slow">
     <p:push dir="u"/>
   </p:transition>
-  <p:timing>
-    <p:tnLst>
-      <p:par>
-        <p:cTn id="1" dur="indefinite" restart="never" nodeType="tmRoot"/>
-      </p:par>
-    </p:tnLst>
-  </p:timing>
 </p:sld>
 </file>
 
@@ -3483,18 +2030,13 @@
           <a:lstStyle/>
           <a:p>
             <a:r>
-              <a:rPr lang="en-US" sz="1400" dirty="0" smtClean="0">
+              <a:rPr lang="en-US" sz="1400" dirty="0">
                 <a:solidFill>
                   <a:schemeClr val="bg1"/>
                 </a:solidFill>
               </a:rPr>
               <a:t>www.Daneshjooyar.com</a:t>
             </a:r>
-            <a:endParaRPr lang="en-US" sz="1400" dirty="0">
-              <a:solidFill>
-                <a:schemeClr val="bg1"/>
-              </a:solidFill>
-            </a:endParaRPr>
           </a:p>
         </p:txBody>
       </p:sp>
@@ -3521,7 +2063,7 @@
           <a:lstStyle/>
           <a:p>
             <a:r>
-              <a:rPr lang="en-US" sz="1400" dirty="0" smtClean="0">
+              <a:rPr lang="en-US" sz="1400" dirty="0">
                 <a:solidFill>
                   <a:schemeClr val="bg1"/>
                 </a:solidFill>
@@ -3548,8 +2090,8 @@
         </p:nvSpPr>
         <p:spPr>
           <a:xfrm>
-            <a:off x="-537029" y="248543"/>
-            <a:ext cx="2965011" cy="955675"/>
+            <a:off x="-736600" y="168715"/>
+            <a:ext cx="4673600" cy="955675"/>
           </a:xfrm>
           <a:prstGeom prst="rect">
             <a:avLst/>
@@ -3581,29 +2123,21 @@
           <a:p>
             <a:pPr algn="r"/>
             <a:r>
-              <a:rPr lang="en-US" sz="3200" b="1" dirty="0" smtClean="0">
+              <a:rPr lang="en-US" sz="2800" b="1" dirty="0">
                 <a:solidFill>
                   <a:schemeClr val="bg1"/>
                 </a:solidFill>
                 <a:cs typeface="B Titr" panose="00000700000000000000" pitchFamily="2" charset="-78"/>
               </a:rPr>
-              <a:t>Why Python?</a:t>
+              <a:t>Popularity and Community</a:t>
             </a:r>
-            <a:endParaRPr lang="en-US" sz="2000" b="1" dirty="0">
-              <a:solidFill>
-                <a:schemeClr val="bg1"/>
-              </a:solidFill>
-              <a:cs typeface="B Titr" panose="00000700000000000000" pitchFamily="2" charset="-78"/>
-            </a:endParaRPr>
           </a:p>
         </p:txBody>
       </p:sp>
       <p:pic>
         <p:nvPicPr>
-          <p:cNvPr id="2" name="Picture 1"/>
-          <p:cNvPicPr>
-            <a:picLocks noChangeAspect="1"/>
-          </p:cNvPicPr>
+          <p:cNvPr id="8" name="Picture 7" descr="C:\Users\Zanis\AppData\Local\Microsoft\Windows\INetCache\Content.Word\Screenshot (472).png"/>
+          <p:cNvPicPr/>
           <p:nvPr/>
         </p:nvPicPr>
         <p:blipFill>
@@ -3614,54 +2148,29 @@
               </a:ext>
             </a:extLst>
           </a:blip>
+          <a:srcRect/>
           <a:stretch>
             <a:fillRect/>
           </a:stretch>
         </p:blipFill>
-        <p:spPr>
-          <a:xfrm>
-            <a:off x="2632201" y="1087239"/>
-            <a:ext cx="6710319" cy="2549921"/>
-          </a:xfrm>
-          <a:prstGeom prst="rect">
-            <a:avLst/>
-          </a:prstGeom>
-        </p:spPr>
-      </p:pic>
-      <p:pic>
-        <p:nvPicPr>
-          <p:cNvPr id="8" name="Picture 7"/>
-          <p:cNvPicPr>
-            <a:picLocks noChangeAspect="1"/>
-          </p:cNvPicPr>
-          <p:nvPr/>
-        </p:nvPicPr>
-        <p:blipFill>
-          <a:blip r:embed="rId4">
-            <a:extLst>
-              <a:ext uri="{28A0092B-C50C-407E-A947-70E740481C1C}">
-                <a14:useLocalDpi xmlns:a14="http://schemas.microsoft.com/office/drawing/2010/main" val="0"/>
-              </a:ext>
-            </a:extLst>
-          </a:blip>
-          <a:stretch>
-            <a:fillRect/>
-          </a:stretch>
-        </p:blipFill>
-        <p:spPr>
-          <a:xfrm>
-            <a:off x="0" y="3324407"/>
-            <a:ext cx="12192000" cy="3028586"/>
-          </a:xfrm>
-          <a:prstGeom prst="rect">
-            <a:avLst/>
-          </a:prstGeom>
+        <p:spPr bwMode="auto">
+          <a:xfrm>
+            <a:off x="1892300" y="1536700"/>
+            <a:ext cx="8282781" cy="4505325"/>
+          </a:xfrm>
+          <a:prstGeom prst="rect">
+            <a:avLst/>
+          </a:prstGeom>
+          <a:noFill/>
+          <a:ln>
+            <a:noFill/>
+          </a:ln>
         </p:spPr>
       </p:pic>
     </p:spTree>
     <p:extLst>
       <p:ext uri="{BB962C8B-B14F-4D97-AF65-F5344CB8AC3E}">
-        <p14:creationId xmlns:p14="http://schemas.microsoft.com/office/powerpoint/2010/main" val="1641428033"/>
+        <p14:creationId xmlns:p14="http://schemas.microsoft.com/office/powerpoint/2010/main" val="3339763526"/>
       </p:ext>
     </p:extLst>
   </p:cSld>
@@ -3671,13 +2180,6 @@
   <p:transition spd="slow">
     <p:push dir="u"/>
   </p:transition>
-  <p:timing>
-    <p:tnLst>
-      <p:par>
-        <p:cTn id="1" dur="indefinite" restart="never" nodeType="tmRoot"/>
-      </p:par>
-    </p:tnLst>
-  </p:timing>
 </p:sld>
 </file>
 
@@ -3735,18 +2237,13 @@
           <a:lstStyle/>
           <a:p>
             <a:r>
-              <a:rPr lang="en-US" sz="1400" dirty="0" smtClean="0">
+              <a:rPr lang="en-US" sz="1400" dirty="0">
                 <a:solidFill>
                   <a:schemeClr val="bg1"/>
                 </a:solidFill>
               </a:rPr>
               <a:t>www.Daneshjooyar.com</a:t>
             </a:r>
-            <a:endParaRPr lang="en-US" sz="1400" dirty="0">
-              <a:solidFill>
-                <a:schemeClr val="bg1"/>
-              </a:solidFill>
-            </a:endParaRPr>
           </a:p>
         </p:txBody>
       </p:sp>
@@ -3773,7 +2270,7 @@
           <a:lstStyle/>
           <a:p>
             <a:r>
-              <a:rPr lang="en-US" sz="1400" dirty="0" smtClean="0">
+              <a:rPr lang="en-US" sz="1400" dirty="0">
                 <a:solidFill>
                   <a:schemeClr val="bg1"/>
                 </a:solidFill>
@@ -3800,8 +2297,8 @@
         </p:nvSpPr>
         <p:spPr>
           <a:xfrm>
-            <a:off x="-736600" y="168715"/>
-            <a:ext cx="4673600" cy="955675"/>
+            <a:off x="-477079" y="0"/>
+            <a:ext cx="4671392" cy="1245721"/>
           </a:xfrm>
           <a:prstGeom prst="rect">
             <a:avLst/>
@@ -3833,15 +2330,15 @@
           <a:p>
             <a:pPr algn="r"/>
             <a:r>
-              <a:rPr lang="en-US" sz="2800" b="1" dirty="0" smtClean="0">
+              <a:rPr lang="en-US" sz="3200" b="1" dirty="0">
                 <a:solidFill>
                   <a:schemeClr val="bg1"/>
                 </a:solidFill>
                 <a:cs typeface="B Titr" panose="00000700000000000000" pitchFamily="2" charset="-78"/>
               </a:rPr>
-              <a:t>Popularity and Community</a:t>
+              <a:t>Python Beginner Friendly</a:t>
             </a:r>
-            <a:endParaRPr lang="en-US" sz="2800" b="1" dirty="0">
+            <a:endParaRPr lang="en-US" sz="2000" b="1" dirty="0">
               <a:solidFill>
                 <a:schemeClr val="bg1"/>
               </a:solidFill>
@@ -3852,8 +2349,10 @@
       </p:sp>
       <p:pic>
         <p:nvPicPr>
-          <p:cNvPr id="8" name="Picture 7" descr="C:\Users\Zanis\AppData\Local\Microsoft\Windows\INetCache\Content.Word\Screenshot (472).png"/>
-          <p:cNvPicPr/>
+          <p:cNvPr id="2" name="Picture 1"/>
+          <p:cNvPicPr>
+            <a:picLocks noChangeAspect="1"/>
+          </p:cNvPicPr>
           <p:nvPr/>
         </p:nvPicPr>
         <p:blipFill>
@@ -3864,29 +2363,24 @@
               </a:ext>
             </a:extLst>
           </a:blip>
-          <a:srcRect/>
           <a:stretch>
             <a:fillRect/>
           </a:stretch>
         </p:blipFill>
-        <p:spPr bwMode="auto">
-          <a:xfrm>
-            <a:off x="1892300" y="1536700"/>
-            <a:ext cx="8282781" cy="4505325"/>
-          </a:xfrm>
-          <a:prstGeom prst="rect">
-            <a:avLst/>
-          </a:prstGeom>
-          <a:noFill/>
-          <a:ln>
-            <a:noFill/>
-          </a:ln>
+        <p:spPr>
+          <a:xfrm>
+            <a:off x="2919970" y="1391694"/>
+            <a:ext cx="6073080" cy="4534719"/>
+          </a:xfrm>
+          <a:prstGeom prst="rect">
+            <a:avLst/>
+          </a:prstGeom>
         </p:spPr>
       </p:pic>
     </p:spTree>
     <p:extLst>
       <p:ext uri="{BB962C8B-B14F-4D97-AF65-F5344CB8AC3E}">
-        <p14:creationId xmlns:p14="http://schemas.microsoft.com/office/powerpoint/2010/main" val="3339763526"/>
+        <p14:creationId xmlns:p14="http://schemas.microsoft.com/office/powerpoint/2010/main" val="922488129"/>
       </p:ext>
     </p:extLst>
   </p:cSld>
@@ -3896,13 +2390,6 @@
   <p:transition spd="slow">
     <p:push dir="u"/>
   </p:transition>
-  <p:timing>
-    <p:tnLst>
-      <p:par>
-        <p:cTn id="1" dur="indefinite" restart="never" nodeType="tmRoot"/>
-      </p:par>
-    </p:tnLst>
-  </p:timing>
 </p:sld>
 </file>
 
@@ -3960,18 +2447,13 @@
           <a:lstStyle/>
           <a:p>
             <a:r>
-              <a:rPr lang="en-US" sz="1400" dirty="0" smtClean="0">
+              <a:rPr lang="en-US" sz="1400" dirty="0">
                 <a:solidFill>
                   <a:schemeClr val="bg1"/>
                 </a:solidFill>
               </a:rPr>
               <a:t>www.Daneshjooyar.com</a:t>
             </a:r>
-            <a:endParaRPr lang="en-US" sz="1400" dirty="0">
-              <a:solidFill>
-                <a:schemeClr val="bg1"/>
-              </a:solidFill>
-            </a:endParaRPr>
           </a:p>
         </p:txBody>
       </p:sp>
@@ -3998,7 +2480,7 @@
           <a:lstStyle/>
           <a:p>
             <a:r>
-              <a:rPr lang="en-US" sz="1400" dirty="0" smtClean="0">
+              <a:rPr lang="en-US" sz="1400" dirty="0">
                 <a:solidFill>
                   <a:schemeClr val="bg1"/>
                 </a:solidFill>
@@ -4026,7 +2508,7 @@
         <p:spPr>
           <a:xfrm>
             <a:off x="-477079" y="0"/>
-            <a:ext cx="4671392" cy="1245721"/>
+            <a:ext cx="3397049" cy="1245721"/>
           </a:xfrm>
           <a:prstGeom prst="rect">
             <a:avLst/>
@@ -4058,229 +2540,7 @@
           <a:p>
             <a:pPr algn="r"/>
             <a:r>
-              <a:rPr lang="en-US" sz="3200" b="1" dirty="0" smtClean="0">
-                <a:solidFill>
-                  <a:schemeClr val="bg1"/>
-                </a:solidFill>
-                <a:cs typeface="B Titr" panose="00000700000000000000" pitchFamily="2" charset="-78"/>
-              </a:rPr>
-              <a:t>Python Beginner Friendly</a:t>
-            </a:r>
-            <a:endParaRPr lang="en-US" sz="2000" b="1" dirty="0">
-              <a:solidFill>
-                <a:schemeClr val="bg1"/>
-              </a:solidFill>
-              <a:cs typeface="B Titr" panose="00000700000000000000" pitchFamily="2" charset="-78"/>
-            </a:endParaRPr>
-          </a:p>
-        </p:txBody>
-      </p:sp>
-      <p:pic>
-        <p:nvPicPr>
-          <p:cNvPr id="2" name="Picture 1"/>
-          <p:cNvPicPr>
-            <a:picLocks noChangeAspect="1"/>
-          </p:cNvPicPr>
-          <p:nvPr/>
-        </p:nvPicPr>
-        <p:blipFill>
-          <a:blip r:embed="rId3">
-            <a:extLst>
-              <a:ext uri="{28A0092B-C50C-407E-A947-70E740481C1C}">
-                <a14:useLocalDpi xmlns:a14="http://schemas.microsoft.com/office/drawing/2010/main" val="0"/>
-              </a:ext>
-            </a:extLst>
-          </a:blip>
-          <a:stretch>
-            <a:fillRect/>
-          </a:stretch>
-        </p:blipFill>
-        <p:spPr>
-          <a:xfrm>
-            <a:off x="2919970" y="1391694"/>
-            <a:ext cx="6073080" cy="4534719"/>
-          </a:xfrm>
-          <a:prstGeom prst="rect">
-            <a:avLst/>
-          </a:prstGeom>
-        </p:spPr>
-      </p:pic>
-    </p:spTree>
-    <p:extLst>
-      <p:ext uri="{BB962C8B-B14F-4D97-AF65-F5344CB8AC3E}">
-        <p14:creationId xmlns:p14="http://schemas.microsoft.com/office/powerpoint/2010/main" val="922488129"/>
-      </p:ext>
-    </p:extLst>
-  </p:cSld>
-  <p:clrMapOvr>
-    <a:masterClrMapping/>
-  </p:clrMapOvr>
-  <p:transition spd="slow">
-    <p:push dir="u"/>
-  </p:transition>
-  <p:timing>
-    <p:tnLst>
-      <p:par>
-        <p:cTn id="1" dur="indefinite" restart="never" nodeType="tmRoot"/>
-      </p:par>
-    </p:tnLst>
-  </p:timing>
-</p:sld>
-</file>
-
-<file path=ppt/slides/slide7.xml><?xml version="1.0" encoding="utf-8"?>
-<p:sld xmlns:a="http://schemas.openxmlformats.org/drawingml/2006/main" xmlns:r="http://schemas.openxmlformats.org/officeDocument/2006/relationships" xmlns:p="http://schemas.openxmlformats.org/presentationml/2006/main">
-  <p:cSld>
-    <p:bg>
-      <p:bgPr>
-        <a:blipFill dpi="0" rotWithShape="1">
-          <a:blip r:embed="rId2" cstate="print">
-            <a:lum/>
-          </a:blip>
-          <a:srcRect/>
-          <a:stretch>
-            <a:fillRect t="-1000" b="-1000"/>
-          </a:stretch>
-        </a:blipFill>
-        <a:effectLst/>
-      </p:bgPr>
-    </p:bg>
-    <p:spTree>
-      <p:nvGrpSpPr>
-        <p:cNvPr id="1" name=""/>
-        <p:cNvGrpSpPr/>
-        <p:nvPr/>
-      </p:nvGrpSpPr>
-      <p:grpSpPr>
-        <a:xfrm>
-          <a:off x="0" y="0"/>
-          <a:ext cx="0" cy="0"/>
-          <a:chOff x="0" y="0"/>
-          <a:chExt cx="0" cy="0"/>
-        </a:xfrm>
-      </p:grpSpPr>
-      <p:sp>
-        <p:nvSpPr>
-          <p:cNvPr id="4" name="TextBox 3"/>
-          <p:cNvSpPr txBox="1"/>
-          <p:nvPr/>
-        </p:nvSpPr>
-        <p:spPr>
-          <a:xfrm>
-            <a:off x="10248332" y="6560390"/>
-            <a:ext cx="2497540" cy="307777"/>
-          </a:xfrm>
-          <a:prstGeom prst="rect">
-            <a:avLst/>
-          </a:prstGeom>
-          <a:noFill/>
-        </p:spPr>
-        <p:txBody>
-          <a:bodyPr wrap="square" rtlCol="0">
-            <a:spAutoFit/>
-          </a:bodyPr>
-          <a:lstStyle/>
-          <a:p>
-            <a:r>
-              <a:rPr lang="en-US" sz="1400" dirty="0" smtClean="0">
-                <a:solidFill>
-                  <a:schemeClr val="bg1"/>
-                </a:solidFill>
-              </a:rPr>
-              <a:t>www.Daneshjooyar.com</a:t>
-            </a:r>
-            <a:endParaRPr lang="en-US" sz="1400" dirty="0">
-              <a:solidFill>
-                <a:schemeClr val="bg1"/>
-              </a:solidFill>
-            </a:endParaRPr>
-          </a:p>
-        </p:txBody>
-      </p:sp>
-      <p:sp>
-        <p:nvSpPr>
-          <p:cNvPr id="6" name="TextBox 5"/>
-          <p:cNvSpPr txBox="1"/>
-          <p:nvPr/>
-        </p:nvSpPr>
-        <p:spPr>
-          <a:xfrm>
-            <a:off x="5396932" y="6550223"/>
-            <a:ext cx="2497540" cy="523220"/>
-          </a:xfrm>
-          <a:prstGeom prst="rect">
-            <a:avLst/>
-          </a:prstGeom>
-          <a:noFill/>
-        </p:spPr>
-        <p:txBody>
-          <a:bodyPr wrap="square" rtlCol="0">
-            <a:spAutoFit/>
-          </a:bodyPr>
-          <a:lstStyle/>
-          <a:p>
-            <a:r>
-              <a:rPr lang="en-US" sz="1400" dirty="0" smtClean="0">
-                <a:solidFill>
-                  <a:schemeClr val="bg1"/>
-                </a:solidFill>
-              </a:rPr>
-              <a:t>M-Taghizadeh.ir</a:t>
-            </a:r>
-          </a:p>
-          <a:p>
-            <a:endParaRPr lang="en-US" sz="1400" dirty="0">
-              <a:solidFill>
-                <a:schemeClr val="bg1"/>
-              </a:solidFill>
-            </a:endParaRPr>
-          </a:p>
-        </p:txBody>
-      </p:sp>
-      <p:sp>
-        <p:nvSpPr>
-          <p:cNvPr id="7" name="Title 1"/>
-          <p:cNvSpPr txBox="1">
-            <a:spLocks/>
-          </p:cNvSpPr>
-          <p:nvPr/>
-        </p:nvSpPr>
-        <p:spPr>
-          <a:xfrm>
-            <a:off x="-477079" y="0"/>
-            <a:ext cx="3397049" cy="1245721"/>
-          </a:xfrm>
-          <a:prstGeom prst="rect">
-            <a:avLst/>
-          </a:prstGeom>
-        </p:spPr>
-        <p:txBody>
-          <a:bodyPr vert="horz" lIns="91440" tIns="45720" rIns="91440" bIns="45720" rtlCol="0" anchor="ctr">
-            <a:normAutofit fontScale="97500"/>
-          </a:bodyPr>
-          <a:lstStyle>
-            <a:lvl1pPr algn="l" defTabSz="914400" rtl="0" eaLnBrk="1" latinLnBrk="0" hangingPunct="1">
-              <a:lnSpc>
-                <a:spcPct val="90000"/>
-              </a:lnSpc>
-              <a:spcBef>
-                <a:spcPct val="0"/>
-              </a:spcBef>
-              <a:buNone/>
-              <a:defRPr sz="4400" kern="1200">
-                <a:solidFill>
-                  <a:schemeClr val="tx1"/>
-                </a:solidFill>
-                <a:latin typeface="+mj-lt"/>
-                <a:ea typeface="+mj-ea"/>
-                <a:cs typeface="+mj-cs"/>
-              </a:defRPr>
-            </a:lvl1pPr>
-          </a:lstStyle>
-          <a:p>
-            <a:pPr algn="r"/>
-            <a:r>
-              <a:rPr lang="en-US" sz="3200" b="1" dirty="0" smtClean="0">
+              <a:rPr lang="en-US" sz="3200" b="1" dirty="0">
                 <a:solidFill>
                   <a:schemeClr val="bg1"/>
                 </a:solidFill>
@@ -4988,7 +3248,7 @@
 </p:sld>
 </file>
 
-<file path=ppt/slides/slide8.xml><?xml version="1.0" encoding="utf-8"?>
+<file path=ppt/slides/slide7.xml><?xml version="1.0" encoding="utf-8"?>
 <p:sld xmlns:a="http://schemas.openxmlformats.org/drawingml/2006/main" xmlns:r="http://schemas.openxmlformats.org/officeDocument/2006/relationships" xmlns:p="http://schemas.openxmlformats.org/presentationml/2006/main">
   <p:cSld>
     <p:bg>
@@ -5042,18 +3302,13 @@
           <a:lstStyle/>
           <a:p>
             <a:r>
-              <a:rPr lang="en-US" sz="1400" dirty="0" smtClean="0">
+              <a:rPr lang="en-US" sz="1400" dirty="0">
                 <a:solidFill>
                   <a:schemeClr val="bg1"/>
                 </a:solidFill>
               </a:rPr>
               <a:t>www.Daneshjooyar.com</a:t>
             </a:r>
-            <a:endParaRPr lang="en-US" sz="1400" dirty="0">
-              <a:solidFill>
-                <a:schemeClr val="bg1"/>
-              </a:solidFill>
-            </a:endParaRPr>
           </a:p>
         </p:txBody>
       </p:sp>
@@ -5080,7 +3335,7 @@
           <a:lstStyle/>
           <a:p>
             <a:r>
-              <a:rPr lang="en-US" sz="1400" dirty="0" smtClean="0">
+              <a:rPr lang="en-US" sz="1400" dirty="0">
                 <a:solidFill>
                   <a:schemeClr val="bg1"/>
                 </a:solidFill>
@@ -5140,7 +3395,7 @@
           <a:p>
             <a:pPr algn="r"/>
             <a:r>
-              <a:rPr lang="en-US" sz="3200" b="1" dirty="0" smtClean="0">
+              <a:rPr lang="en-US" sz="3200" b="1" dirty="0">
                 <a:solidFill>
                   <a:schemeClr val="bg1"/>
                 </a:solidFill>
@@ -5808,7 +4063,7 @@
 </p:sld>
 </file>
 
-<file path=ppt/slides/slide9.xml><?xml version="1.0" encoding="utf-8"?>
+<file path=ppt/slides/slide8.xml><?xml version="1.0" encoding="utf-8"?>
 <p:sld xmlns:a="http://schemas.openxmlformats.org/drawingml/2006/main" xmlns:r="http://schemas.openxmlformats.org/officeDocument/2006/relationships" xmlns:p="http://schemas.openxmlformats.org/presentationml/2006/main">
   <p:cSld>
     <p:bg>
@@ -5882,22 +4137,13 @@
           <a:p>
             <a:pPr algn="r"/>
             <a:r>
-              <a:rPr lang="en-US" sz="3200" b="1" dirty="0" smtClean="0">
+              <a:rPr lang="en-US" sz="3200" b="1" dirty="0">
                 <a:solidFill>
                   <a:schemeClr val="bg1"/>
                 </a:solidFill>
                 <a:cs typeface="B Titr" panose="00000700000000000000" pitchFamily="2" charset="-78"/>
               </a:rPr>
-              <a:t>Python </a:t>
-            </a:r>
-            <a:r>
-              <a:rPr lang="en-US" sz="3200" b="1" dirty="0" smtClean="0">
-                <a:solidFill>
-                  <a:schemeClr val="bg1"/>
-                </a:solidFill>
-                <a:cs typeface="B Titr" panose="00000700000000000000" pitchFamily="2" charset="-78"/>
-              </a:rPr>
-              <a:t>Versions</a:t>
+              <a:t>Python Versions</a:t>
             </a:r>
             <a:endParaRPr lang="en-US" sz="2000" b="1" dirty="0">
               <a:solidFill>
@@ -5951,10 +4197,818 @@
   <p:transition spd="slow">
     <p:push dir="u"/>
   </p:transition>
+</p:sld>
+</file>
+
+<file path=ppt/slides/slide9.xml><?xml version="1.0" encoding="utf-8"?>
+<p:sld xmlns:a="http://schemas.openxmlformats.org/drawingml/2006/main" xmlns:r="http://schemas.openxmlformats.org/officeDocument/2006/relationships" xmlns:p="http://schemas.openxmlformats.org/presentationml/2006/main">
+  <p:cSld>
+    <p:bg>
+      <p:bgPr>
+        <a:blipFill dpi="0" rotWithShape="1">
+          <a:blip r:embed="rId2" cstate="print">
+            <a:lum/>
+          </a:blip>
+          <a:srcRect/>
+          <a:stretch>
+            <a:fillRect t="-1000" b="-1000"/>
+          </a:stretch>
+        </a:blipFill>
+        <a:effectLst/>
+      </p:bgPr>
+    </p:bg>
+    <p:spTree>
+      <p:nvGrpSpPr>
+        <p:cNvPr id="1" name=""/>
+        <p:cNvGrpSpPr/>
+        <p:nvPr/>
+      </p:nvGrpSpPr>
+      <p:grpSpPr>
+        <a:xfrm>
+          <a:off x="0" y="0"/>
+          <a:ext cx="0" cy="0"/>
+          <a:chOff x="0" y="0"/>
+          <a:chExt cx="0" cy="0"/>
+        </a:xfrm>
+      </p:grpSpPr>
+      <p:sp>
+        <p:nvSpPr>
+          <p:cNvPr id="4" name="TextBox 3"/>
+          <p:cNvSpPr txBox="1"/>
+          <p:nvPr/>
+        </p:nvSpPr>
+        <p:spPr>
+          <a:xfrm>
+            <a:off x="10248332" y="6560390"/>
+            <a:ext cx="2497540" cy="307777"/>
+          </a:xfrm>
+          <a:prstGeom prst="rect">
+            <a:avLst/>
+          </a:prstGeom>
+          <a:noFill/>
+        </p:spPr>
+        <p:txBody>
+          <a:bodyPr wrap="square" rtlCol="0">
+            <a:spAutoFit/>
+          </a:bodyPr>
+          <a:lstStyle/>
+          <a:p>
+            <a:r>
+              <a:rPr lang="en-US" sz="1400" dirty="0">
+                <a:solidFill>
+                  <a:schemeClr val="bg1"/>
+                </a:solidFill>
+              </a:rPr>
+              <a:t>www.Daneshjooyar.com</a:t>
+            </a:r>
+          </a:p>
+        </p:txBody>
+      </p:sp>
+      <p:sp>
+        <p:nvSpPr>
+          <p:cNvPr id="6" name="TextBox 5"/>
+          <p:cNvSpPr txBox="1"/>
+          <p:nvPr/>
+        </p:nvSpPr>
+        <p:spPr>
+          <a:xfrm>
+            <a:off x="5396932" y="6550223"/>
+            <a:ext cx="2497540" cy="523220"/>
+          </a:xfrm>
+          <a:prstGeom prst="rect">
+            <a:avLst/>
+          </a:prstGeom>
+          <a:noFill/>
+        </p:spPr>
+        <p:txBody>
+          <a:bodyPr wrap="square" rtlCol="0">
+            <a:spAutoFit/>
+          </a:bodyPr>
+          <a:lstStyle/>
+          <a:p>
+            <a:r>
+              <a:rPr lang="en-US" sz="1400" dirty="0">
+                <a:solidFill>
+                  <a:schemeClr val="bg1"/>
+                </a:solidFill>
+              </a:rPr>
+              <a:t>M-Taghizadeh.ir</a:t>
+            </a:r>
+          </a:p>
+          <a:p>
+            <a:endParaRPr lang="en-US" sz="1400" dirty="0">
+              <a:solidFill>
+                <a:schemeClr val="bg1"/>
+              </a:solidFill>
+            </a:endParaRPr>
+          </a:p>
+        </p:txBody>
+      </p:sp>
+      <p:sp>
+        <p:nvSpPr>
+          <p:cNvPr id="7" name="Title 1"/>
+          <p:cNvSpPr txBox="1">
+            <a:spLocks/>
+          </p:cNvSpPr>
+          <p:nvPr/>
+        </p:nvSpPr>
+        <p:spPr>
+          <a:xfrm>
+            <a:off x="-217714" y="219515"/>
+            <a:ext cx="2950496" cy="955675"/>
+          </a:xfrm>
+          <a:prstGeom prst="rect">
+            <a:avLst/>
+          </a:prstGeom>
+        </p:spPr>
+        <p:txBody>
+          <a:bodyPr vert="horz" lIns="91440" tIns="45720" rIns="91440" bIns="45720" rtlCol="0" anchor="ctr">
+            <a:normAutofit fontScale="97500"/>
+          </a:bodyPr>
+          <a:lstStyle>
+            <a:lvl1pPr algn="l" defTabSz="914400" rtl="0" eaLnBrk="1" latinLnBrk="0" hangingPunct="1">
+              <a:lnSpc>
+                <a:spcPct val="90000"/>
+              </a:lnSpc>
+              <a:spcBef>
+                <a:spcPct val="0"/>
+              </a:spcBef>
+              <a:buNone/>
+              <a:defRPr sz="4400" kern="1200">
+                <a:solidFill>
+                  <a:schemeClr val="tx1"/>
+                </a:solidFill>
+                <a:latin typeface="+mj-lt"/>
+                <a:ea typeface="+mj-ea"/>
+                <a:cs typeface="+mj-cs"/>
+              </a:defRPr>
+            </a:lvl1pPr>
+          </a:lstStyle>
+          <a:p>
+            <a:pPr algn="r"/>
+            <a:r>
+              <a:rPr lang="en-US" sz="3200" b="1" dirty="0">
+                <a:solidFill>
+                  <a:schemeClr val="bg1"/>
+                </a:solidFill>
+                <a:cs typeface="B Titr" panose="00000700000000000000" pitchFamily="2" charset="-78"/>
+              </a:rPr>
+              <a:t>Python IDES</a:t>
+            </a:r>
+            <a:endParaRPr lang="en-US" sz="2000" b="1" dirty="0">
+              <a:solidFill>
+                <a:schemeClr val="bg1"/>
+              </a:solidFill>
+              <a:cs typeface="B Titr" panose="00000700000000000000" pitchFamily="2" charset="-78"/>
+            </a:endParaRPr>
+          </a:p>
+        </p:txBody>
+      </p:sp>
+      <p:pic>
+        <p:nvPicPr>
+          <p:cNvPr id="2" name="Picture 1"/>
+          <p:cNvPicPr>
+            <a:picLocks noChangeAspect="1"/>
+          </p:cNvPicPr>
+          <p:nvPr/>
+        </p:nvPicPr>
+        <p:blipFill>
+          <a:blip r:embed="rId3">
+            <a:extLst>
+              <a:ext uri="{28A0092B-C50C-407E-A947-70E740481C1C}">
+                <a14:useLocalDpi xmlns:a14="http://schemas.microsoft.com/office/drawing/2010/main" val="0"/>
+              </a:ext>
+            </a:extLst>
+          </a:blip>
+          <a:stretch>
+            <a:fillRect/>
+          </a:stretch>
+        </p:blipFill>
+        <p:spPr>
+          <a:xfrm>
+            <a:off x="2410520" y="2432050"/>
+            <a:ext cx="2141438" cy="2141438"/>
+          </a:xfrm>
+          <a:prstGeom prst="rect">
+            <a:avLst/>
+          </a:prstGeom>
+        </p:spPr>
+      </p:pic>
+      <p:pic>
+        <p:nvPicPr>
+          <p:cNvPr id="3" name="Picture 2"/>
+          <p:cNvPicPr>
+            <a:picLocks noChangeAspect="1"/>
+          </p:cNvPicPr>
+          <p:nvPr/>
+        </p:nvPicPr>
+        <p:blipFill>
+          <a:blip r:embed="rId4">
+            <a:extLst>
+              <a:ext uri="{28A0092B-C50C-407E-A947-70E740481C1C}">
+                <a14:useLocalDpi xmlns:a14="http://schemas.microsoft.com/office/drawing/2010/main" val="0"/>
+              </a:ext>
+            </a:extLst>
+          </a:blip>
+          <a:stretch>
+            <a:fillRect/>
+          </a:stretch>
+        </p:blipFill>
+        <p:spPr>
+          <a:xfrm>
+            <a:off x="4551958" y="3026519"/>
+            <a:ext cx="2543175" cy="952500"/>
+          </a:xfrm>
+          <a:prstGeom prst="rect">
+            <a:avLst/>
+          </a:prstGeom>
+        </p:spPr>
+      </p:pic>
+      <p:pic>
+        <p:nvPicPr>
+          <p:cNvPr id="5" name="Picture 4"/>
+          <p:cNvPicPr>
+            <a:picLocks noChangeAspect="1"/>
+          </p:cNvPicPr>
+          <p:nvPr/>
+        </p:nvPicPr>
+        <p:blipFill>
+          <a:blip r:embed="rId5" cstate="print">
+            <a:extLst>
+              <a:ext uri="{28A0092B-C50C-407E-A947-70E740481C1C}">
+                <a14:useLocalDpi xmlns:a14="http://schemas.microsoft.com/office/drawing/2010/main" val="0"/>
+              </a:ext>
+            </a:extLst>
+          </a:blip>
+          <a:stretch>
+            <a:fillRect/>
+          </a:stretch>
+        </p:blipFill>
+        <p:spPr>
+          <a:xfrm>
+            <a:off x="255489" y="2489200"/>
+            <a:ext cx="2084288" cy="2084288"/>
+          </a:xfrm>
+          <a:prstGeom prst="rect">
+            <a:avLst/>
+          </a:prstGeom>
+        </p:spPr>
+      </p:pic>
+      <p:pic>
+        <p:nvPicPr>
+          <p:cNvPr id="8" name="Picture 7"/>
+          <p:cNvPicPr>
+            <a:picLocks noChangeAspect="1"/>
+          </p:cNvPicPr>
+          <p:nvPr/>
+        </p:nvPicPr>
+        <p:blipFill>
+          <a:blip r:embed="rId6" cstate="print">
+            <a:extLst>
+              <a:ext uri="{28A0092B-C50C-407E-A947-70E740481C1C}">
+                <a14:useLocalDpi xmlns:a14="http://schemas.microsoft.com/office/drawing/2010/main" val="0"/>
+              </a:ext>
+            </a:extLst>
+          </a:blip>
+          <a:stretch>
+            <a:fillRect/>
+          </a:stretch>
+        </p:blipFill>
+        <p:spPr>
+          <a:xfrm>
+            <a:off x="10248332" y="2684090"/>
+            <a:ext cx="1679575" cy="1679575"/>
+          </a:xfrm>
+          <a:prstGeom prst="rect">
+            <a:avLst/>
+          </a:prstGeom>
+        </p:spPr>
+      </p:pic>
+      <p:pic>
+        <p:nvPicPr>
+          <p:cNvPr id="9" name="Picture 8"/>
+          <p:cNvPicPr>
+            <a:picLocks noChangeAspect="1"/>
+          </p:cNvPicPr>
+          <p:nvPr/>
+        </p:nvPicPr>
+        <p:blipFill>
+          <a:blip r:embed="rId7">
+            <a:extLst>
+              <a:ext uri="{28A0092B-C50C-407E-A947-70E740481C1C}">
+                <a14:useLocalDpi xmlns:a14="http://schemas.microsoft.com/office/drawing/2010/main" val="0"/>
+              </a:ext>
+            </a:extLst>
+          </a:blip>
+          <a:stretch>
+            <a:fillRect/>
+          </a:stretch>
+        </p:blipFill>
+        <p:spPr>
+          <a:xfrm>
+            <a:off x="7056785" y="2684090"/>
+            <a:ext cx="2979638" cy="1489819"/>
+          </a:xfrm>
+          <a:prstGeom prst="rect">
+            <a:avLst/>
+          </a:prstGeom>
+        </p:spPr>
+      </p:pic>
+    </p:spTree>
+    <p:extLst>
+      <p:ext uri="{BB962C8B-B14F-4D97-AF65-F5344CB8AC3E}">
+        <p14:creationId xmlns:p14="http://schemas.microsoft.com/office/powerpoint/2010/main" val="2054631774"/>
+      </p:ext>
+    </p:extLst>
+  </p:cSld>
+  <p:clrMapOvr>
+    <a:masterClrMapping/>
+  </p:clrMapOvr>
+  <p:transition spd="slow">
+    <p:push dir="u"/>
+  </p:transition>
   <p:timing>
     <p:tnLst>
       <p:par>
-        <p:cTn id="1" dur="indefinite" restart="never" nodeType="tmRoot"/>
+        <p:cTn id="1" dur="indefinite" restart="never" nodeType="tmRoot">
+          <p:childTnLst>
+            <p:seq concurrent="1" nextAc="seek">
+              <p:cTn id="2" dur="indefinite" nodeType="mainSeq">
+                <p:childTnLst>
+                  <p:par>
+                    <p:cTn id="3" fill="hold">
+                      <p:stCondLst>
+                        <p:cond delay="indefinite"/>
+                      </p:stCondLst>
+                      <p:childTnLst>
+                        <p:par>
+                          <p:cTn id="4" fill="hold">
+                            <p:stCondLst>
+                              <p:cond delay="0"/>
+                            </p:stCondLst>
+                            <p:childTnLst>
+                              <p:par>
+                                <p:cTn id="5" presetID="2" presetClass="entr" presetSubtype="4" fill="hold" nodeType="clickEffect">
+                                  <p:stCondLst>
+                                    <p:cond delay="0"/>
+                                  </p:stCondLst>
+                                  <p:childTnLst>
+                                    <p:set>
+                                      <p:cBhvr>
+                                        <p:cTn id="6" dur="1" fill="hold">
+                                          <p:stCondLst>
+                                            <p:cond delay="0"/>
+                                          </p:stCondLst>
+                                        </p:cTn>
+                                        <p:tgtEl>
+                                          <p:spTgt spid="5"/>
+                                        </p:tgtEl>
+                                        <p:attrNameLst>
+                                          <p:attrName>style.visibility</p:attrName>
+                                        </p:attrNameLst>
+                                      </p:cBhvr>
+                                      <p:to>
+                                        <p:strVal val="visible"/>
+                                      </p:to>
+                                    </p:set>
+                                    <p:anim calcmode="lin" valueType="num">
+                                      <p:cBhvr additive="base">
+                                        <p:cTn id="7" dur="500" fill="hold"/>
+                                        <p:tgtEl>
+                                          <p:spTgt spid="5"/>
+                                        </p:tgtEl>
+                                        <p:attrNameLst>
+                                          <p:attrName>ppt_x</p:attrName>
+                                        </p:attrNameLst>
+                                      </p:cBhvr>
+                                      <p:tavLst>
+                                        <p:tav tm="0">
+                                          <p:val>
+                                            <p:strVal val="#ppt_x"/>
+                                          </p:val>
+                                        </p:tav>
+                                        <p:tav tm="100000">
+                                          <p:val>
+                                            <p:strVal val="#ppt_x"/>
+                                          </p:val>
+                                        </p:tav>
+                                      </p:tavLst>
+                                    </p:anim>
+                                    <p:anim calcmode="lin" valueType="num">
+                                      <p:cBhvr additive="base">
+                                        <p:cTn id="8" dur="500" fill="hold"/>
+                                        <p:tgtEl>
+                                          <p:spTgt spid="5"/>
+                                        </p:tgtEl>
+                                        <p:attrNameLst>
+                                          <p:attrName>ppt_y</p:attrName>
+                                        </p:attrNameLst>
+                                      </p:cBhvr>
+                                      <p:tavLst>
+                                        <p:tav tm="0">
+                                          <p:val>
+                                            <p:strVal val="1+#ppt_h/2"/>
+                                          </p:val>
+                                        </p:tav>
+                                        <p:tav tm="100000">
+                                          <p:val>
+                                            <p:strVal val="#ppt_y"/>
+                                          </p:val>
+                                        </p:tav>
+                                      </p:tavLst>
+                                    </p:anim>
+                                  </p:childTnLst>
+                                </p:cTn>
+                              </p:par>
+                            </p:childTnLst>
+                          </p:cTn>
+                        </p:par>
+                      </p:childTnLst>
+                    </p:cTn>
+                  </p:par>
+                  <p:par>
+                    <p:cTn id="9" fill="hold">
+                      <p:stCondLst>
+                        <p:cond delay="indefinite"/>
+                      </p:stCondLst>
+                      <p:childTnLst>
+                        <p:par>
+                          <p:cTn id="10" fill="hold">
+                            <p:stCondLst>
+                              <p:cond delay="0"/>
+                            </p:stCondLst>
+                            <p:childTnLst>
+                              <p:par>
+                                <p:cTn id="11" presetID="2" presetClass="entr" presetSubtype="4" fill="hold" nodeType="clickEffect">
+                                  <p:stCondLst>
+                                    <p:cond delay="0"/>
+                                  </p:stCondLst>
+                                  <p:childTnLst>
+                                    <p:set>
+                                      <p:cBhvr>
+                                        <p:cTn id="12" dur="1" fill="hold">
+                                          <p:stCondLst>
+                                            <p:cond delay="0"/>
+                                          </p:stCondLst>
+                                        </p:cTn>
+                                        <p:tgtEl>
+                                          <p:spTgt spid="2"/>
+                                        </p:tgtEl>
+                                        <p:attrNameLst>
+                                          <p:attrName>style.visibility</p:attrName>
+                                        </p:attrNameLst>
+                                      </p:cBhvr>
+                                      <p:to>
+                                        <p:strVal val="visible"/>
+                                      </p:to>
+                                    </p:set>
+                                    <p:anim calcmode="lin" valueType="num">
+                                      <p:cBhvr additive="base">
+                                        <p:cTn id="13" dur="500" fill="hold"/>
+                                        <p:tgtEl>
+                                          <p:spTgt spid="2"/>
+                                        </p:tgtEl>
+                                        <p:attrNameLst>
+                                          <p:attrName>ppt_x</p:attrName>
+                                        </p:attrNameLst>
+                                      </p:cBhvr>
+                                      <p:tavLst>
+                                        <p:tav tm="0">
+                                          <p:val>
+                                            <p:strVal val="#ppt_x"/>
+                                          </p:val>
+                                        </p:tav>
+                                        <p:tav tm="100000">
+                                          <p:val>
+                                            <p:strVal val="#ppt_x"/>
+                                          </p:val>
+                                        </p:tav>
+                                      </p:tavLst>
+                                    </p:anim>
+                                    <p:anim calcmode="lin" valueType="num">
+                                      <p:cBhvr additive="base">
+                                        <p:cTn id="14" dur="500" fill="hold"/>
+                                        <p:tgtEl>
+                                          <p:spTgt spid="2"/>
+                                        </p:tgtEl>
+                                        <p:attrNameLst>
+                                          <p:attrName>ppt_y</p:attrName>
+                                        </p:attrNameLst>
+                                      </p:cBhvr>
+                                      <p:tavLst>
+                                        <p:tav tm="0">
+                                          <p:val>
+                                            <p:strVal val="1+#ppt_h/2"/>
+                                          </p:val>
+                                        </p:tav>
+                                        <p:tav tm="100000">
+                                          <p:val>
+                                            <p:strVal val="#ppt_y"/>
+                                          </p:val>
+                                        </p:tav>
+                                      </p:tavLst>
+                                    </p:anim>
+                                  </p:childTnLst>
+                                </p:cTn>
+                              </p:par>
+                            </p:childTnLst>
+                          </p:cTn>
+                        </p:par>
+                      </p:childTnLst>
+                    </p:cTn>
+                  </p:par>
+                  <p:par>
+                    <p:cTn id="15" fill="hold">
+                      <p:stCondLst>
+                        <p:cond delay="indefinite"/>
+                      </p:stCondLst>
+                      <p:childTnLst>
+                        <p:par>
+                          <p:cTn id="16" fill="hold">
+                            <p:stCondLst>
+                              <p:cond delay="0"/>
+                            </p:stCondLst>
+                            <p:childTnLst>
+                              <p:par>
+                                <p:cTn id="17" presetID="2" presetClass="entr" presetSubtype="4" fill="hold" nodeType="clickEffect">
+                                  <p:stCondLst>
+                                    <p:cond delay="0"/>
+                                  </p:stCondLst>
+                                  <p:childTnLst>
+                                    <p:set>
+                                      <p:cBhvr>
+                                        <p:cTn id="18" dur="1" fill="hold">
+                                          <p:stCondLst>
+                                            <p:cond delay="0"/>
+                                          </p:stCondLst>
+                                        </p:cTn>
+                                        <p:tgtEl>
+                                          <p:spTgt spid="3"/>
+                                        </p:tgtEl>
+                                        <p:attrNameLst>
+                                          <p:attrName>style.visibility</p:attrName>
+                                        </p:attrNameLst>
+                                      </p:cBhvr>
+                                      <p:to>
+                                        <p:strVal val="visible"/>
+                                      </p:to>
+                                    </p:set>
+                                    <p:anim calcmode="lin" valueType="num">
+                                      <p:cBhvr additive="base">
+                                        <p:cTn id="19" dur="500" fill="hold"/>
+                                        <p:tgtEl>
+                                          <p:spTgt spid="3"/>
+                                        </p:tgtEl>
+                                        <p:attrNameLst>
+                                          <p:attrName>ppt_x</p:attrName>
+                                        </p:attrNameLst>
+                                      </p:cBhvr>
+                                      <p:tavLst>
+                                        <p:tav tm="0">
+                                          <p:val>
+                                            <p:strVal val="#ppt_x"/>
+                                          </p:val>
+                                        </p:tav>
+                                        <p:tav tm="100000">
+                                          <p:val>
+                                            <p:strVal val="#ppt_x"/>
+                                          </p:val>
+                                        </p:tav>
+                                      </p:tavLst>
+                                    </p:anim>
+                                    <p:anim calcmode="lin" valueType="num">
+                                      <p:cBhvr additive="base">
+                                        <p:cTn id="20" dur="500" fill="hold"/>
+                                        <p:tgtEl>
+                                          <p:spTgt spid="3"/>
+                                        </p:tgtEl>
+                                        <p:attrNameLst>
+                                          <p:attrName>ppt_y</p:attrName>
+                                        </p:attrNameLst>
+                                      </p:cBhvr>
+                                      <p:tavLst>
+                                        <p:tav tm="0">
+                                          <p:val>
+                                            <p:strVal val="1+#ppt_h/2"/>
+                                          </p:val>
+                                        </p:tav>
+                                        <p:tav tm="100000">
+                                          <p:val>
+                                            <p:strVal val="#ppt_y"/>
+                                          </p:val>
+                                        </p:tav>
+                                      </p:tavLst>
+                                    </p:anim>
+                                  </p:childTnLst>
+                                </p:cTn>
+                              </p:par>
+                            </p:childTnLst>
+                          </p:cTn>
+                        </p:par>
+                      </p:childTnLst>
+                    </p:cTn>
+                  </p:par>
+                  <p:par>
+                    <p:cTn id="21" fill="hold">
+                      <p:stCondLst>
+                        <p:cond delay="indefinite"/>
+                      </p:stCondLst>
+                      <p:childTnLst>
+                        <p:par>
+                          <p:cTn id="22" fill="hold">
+                            <p:stCondLst>
+                              <p:cond delay="0"/>
+                            </p:stCondLst>
+                            <p:childTnLst>
+                              <p:par>
+                                <p:cTn id="23" presetID="2" presetClass="entr" presetSubtype="4" fill="hold" nodeType="clickEffect">
+                                  <p:stCondLst>
+                                    <p:cond delay="0"/>
+                                  </p:stCondLst>
+                                  <p:childTnLst>
+                                    <p:set>
+                                      <p:cBhvr>
+                                        <p:cTn id="24" dur="1" fill="hold">
+                                          <p:stCondLst>
+                                            <p:cond delay="0"/>
+                                          </p:stCondLst>
+                                        </p:cTn>
+                                        <p:tgtEl>
+                                          <p:spTgt spid="9"/>
+                                        </p:tgtEl>
+                                        <p:attrNameLst>
+                                          <p:attrName>style.visibility</p:attrName>
+                                        </p:attrNameLst>
+                                      </p:cBhvr>
+                                      <p:to>
+                                        <p:strVal val="visible"/>
+                                      </p:to>
+                                    </p:set>
+                                    <p:anim calcmode="lin" valueType="num">
+                                      <p:cBhvr additive="base">
+                                        <p:cTn id="25" dur="500" fill="hold"/>
+                                        <p:tgtEl>
+                                          <p:spTgt spid="9"/>
+                                        </p:tgtEl>
+                                        <p:attrNameLst>
+                                          <p:attrName>ppt_x</p:attrName>
+                                        </p:attrNameLst>
+                                      </p:cBhvr>
+                                      <p:tavLst>
+                                        <p:tav tm="0">
+                                          <p:val>
+                                            <p:strVal val="#ppt_x"/>
+                                          </p:val>
+                                        </p:tav>
+                                        <p:tav tm="100000">
+                                          <p:val>
+                                            <p:strVal val="#ppt_x"/>
+                                          </p:val>
+                                        </p:tav>
+                                      </p:tavLst>
+                                    </p:anim>
+                                    <p:anim calcmode="lin" valueType="num">
+                                      <p:cBhvr additive="base">
+                                        <p:cTn id="26" dur="500" fill="hold"/>
+                                        <p:tgtEl>
+                                          <p:spTgt spid="9"/>
+                                        </p:tgtEl>
+                                        <p:attrNameLst>
+                                          <p:attrName>ppt_y</p:attrName>
+                                        </p:attrNameLst>
+                                      </p:cBhvr>
+                                      <p:tavLst>
+                                        <p:tav tm="0">
+                                          <p:val>
+                                            <p:strVal val="1+#ppt_h/2"/>
+                                          </p:val>
+                                        </p:tav>
+                                        <p:tav tm="100000">
+                                          <p:val>
+                                            <p:strVal val="#ppt_y"/>
+                                          </p:val>
+                                        </p:tav>
+                                      </p:tavLst>
+                                    </p:anim>
+                                  </p:childTnLst>
+                                </p:cTn>
+                              </p:par>
+                            </p:childTnLst>
+                          </p:cTn>
+                        </p:par>
+                      </p:childTnLst>
+                    </p:cTn>
+                  </p:par>
+                  <p:par>
+                    <p:cTn id="27" fill="hold">
+                      <p:stCondLst>
+                        <p:cond delay="indefinite"/>
+                      </p:stCondLst>
+                      <p:childTnLst>
+                        <p:par>
+                          <p:cTn id="28" fill="hold">
+                            <p:stCondLst>
+                              <p:cond delay="0"/>
+                            </p:stCondLst>
+                            <p:childTnLst>
+                              <p:par>
+                                <p:cTn id="29" presetID="2" presetClass="entr" presetSubtype="4" fill="hold" nodeType="clickEffect">
+                                  <p:stCondLst>
+                                    <p:cond delay="0"/>
+                                  </p:stCondLst>
+                                  <p:childTnLst>
+                                    <p:set>
+                                      <p:cBhvr>
+                                        <p:cTn id="30" dur="1" fill="hold">
+                                          <p:stCondLst>
+                                            <p:cond delay="0"/>
+                                          </p:stCondLst>
+                                        </p:cTn>
+                                        <p:tgtEl>
+                                          <p:spTgt spid="8"/>
+                                        </p:tgtEl>
+                                        <p:attrNameLst>
+                                          <p:attrName>style.visibility</p:attrName>
+                                        </p:attrNameLst>
+                                      </p:cBhvr>
+                                      <p:to>
+                                        <p:strVal val="visible"/>
+                                      </p:to>
+                                    </p:set>
+                                    <p:anim calcmode="lin" valueType="num">
+                                      <p:cBhvr additive="base">
+                                        <p:cTn id="31" dur="500" fill="hold"/>
+                                        <p:tgtEl>
+                                          <p:spTgt spid="8"/>
+                                        </p:tgtEl>
+                                        <p:attrNameLst>
+                                          <p:attrName>ppt_x</p:attrName>
+                                        </p:attrNameLst>
+                                      </p:cBhvr>
+                                      <p:tavLst>
+                                        <p:tav tm="0">
+                                          <p:val>
+                                            <p:strVal val="#ppt_x"/>
+                                          </p:val>
+                                        </p:tav>
+                                        <p:tav tm="100000">
+                                          <p:val>
+                                            <p:strVal val="#ppt_x"/>
+                                          </p:val>
+                                        </p:tav>
+                                      </p:tavLst>
+                                    </p:anim>
+                                    <p:anim calcmode="lin" valueType="num">
+                                      <p:cBhvr additive="base">
+                                        <p:cTn id="32" dur="500" fill="hold"/>
+                                        <p:tgtEl>
+                                          <p:spTgt spid="8"/>
+                                        </p:tgtEl>
+                                        <p:attrNameLst>
+                                          <p:attrName>ppt_y</p:attrName>
+                                        </p:attrNameLst>
+                                      </p:cBhvr>
+                                      <p:tavLst>
+                                        <p:tav tm="0">
+                                          <p:val>
+                                            <p:strVal val="1+#ppt_h/2"/>
+                                          </p:val>
+                                        </p:tav>
+                                        <p:tav tm="100000">
+                                          <p:val>
+                                            <p:strVal val="#ppt_y"/>
+                                          </p:val>
+                                        </p:tav>
+                                      </p:tavLst>
+                                    </p:anim>
+                                  </p:childTnLst>
+                                </p:cTn>
+                              </p:par>
+                            </p:childTnLst>
+                          </p:cTn>
+                        </p:par>
+                      </p:childTnLst>
+                    </p:cTn>
+                  </p:par>
+                </p:childTnLst>
+              </p:cTn>
+              <p:prevCondLst>
+                <p:cond evt="onPrev" delay="0">
+                  <p:tgtEl>
+                    <p:sldTgt/>
+                  </p:tgtEl>
+                </p:cond>
+              </p:prevCondLst>
+              <p:nextCondLst>
+                <p:cond evt="onNext" delay="0">
+                  <p:tgtEl>
+                    <p:sldTgt/>
+                  </p:tgtEl>
+                </p:cond>
+              </p:nextCondLst>
+            </p:seq>
+          </p:childTnLst>
+        </p:cTn>
       </p:par>
     </p:tnLst>
   </p:timing>
